--- a/Prezentacia_Rust_projekt.pptx
+++ b/Prezentacia_Rust_projekt.pptx
@@ -9,9 +9,6 @@
     <p:sldId id="257" r:id="rId3"/>
     <p:sldId id="258" r:id="rId4"/>
     <p:sldId id="259" r:id="rId5"/>
-    <p:sldId id="260" r:id="rId6"/>
-    <p:sldId id="261" r:id="rId7"/>
-    <p:sldId id="262" r:id="rId8"/>
   </p:sldIdLst>
   <p:sldSz cx="12192000" cy="6858000"/>
   <p:notesSz cx="6858000" cy="9144000"/>
@@ -110,6 +107,11 @@
       </a:defRPr>
     </a:lvl9pPr>
   </p:defaultTextStyle>
+  <p:extLst>
+    <p:ext uri="{EFAFB233-063F-42B5-8137-9DF3F51BA10A}">
+      <p15:sldGuideLst xmlns:p15="http://schemas.microsoft.com/office/powerpoint/2012/main"/>
+    </p:ext>
+  </p:extLst>
 </p:presentation>
 </file>
 
@@ -256,7 +258,7 @@
           <a:p>
             <a:fld id="{2395C5C9-164C-46B3-A87E-7660D39D3106}" type="datetime2">
               <a:rPr lang="en-US" smtClean="0"/>
-              <a:t>Tuesday, April 16, 2024</a:t>
+              <a:t>Wednesday, April 24, 2024</a:t>
             </a:fld>
             <a:endParaRPr lang="en-US" dirty="0"/>
           </a:p>
@@ -459,7 +461,7 @@
           <a:p>
             <a:fld id="{5B75179A-1E2B-41AB-B400-4F1B4022FAEE}" type="datetime2">
               <a:rPr lang="en-US" smtClean="0"/>
-              <a:t>Tuesday, April 16, 2024</a:t>
+              <a:t>Wednesday, April 24, 2024</a:t>
             </a:fld>
             <a:endParaRPr lang="en-US"/>
           </a:p>
@@ -672,7 +674,7 @@
           <a:p>
             <a:fld id="{05681D0F-6595-4F14-8EF3-954CD87C797B}" type="datetime2">
               <a:rPr lang="en-US" smtClean="0"/>
-              <a:t>Tuesday, April 16, 2024</a:t>
+              <a:t>Wednesday, April 24, 2024</a:t>
             </a:fld>
             <a:endParaRPr lang="en-US"/>
           </a:p>
@@ -874,7 +876,7 @@
           <a:p>
             <a:fld id="{4DDCFF8A-AAF8-4A12-8A91-9CA0EAF6CBB9}" type="datetime2">
               <a:rPr lang="en-US" smtClean="0"/>
-              <a:t>Tuesday, April 16, 2024</a:t>
+              <a:t>Wednesday, April 24, 2024</a:t>
             </a:fld>
             <a:endParaRPr lang="en-US" dirty="0"/>
           </a:p>
@@ -1153,7 +1155,7 @@
           <a:p>
             <a:fld id="{ABCC25C3-021A-4B0B-8F70-0C181FE1CF45}" type="datetime2">
               <a:rPr lang="en-US" smtClean="0"/>
-              <a:t>Tuesday, April 16, 2024</a:t>
+              <a:t>Wednesday, April 24, 2024</a:t>
             </a:fld>
             <a:endParaRPr lang="en-US"/>
           </a:p>
@@ -1413,7 +1415,7 @@
           <a:p>
             <a:fld id="{0C23D88D-8CEC-4ED9-A53B-5596187D9A16}" type="datetime2">
               <a:rPr lang="en-US" smtClean="0"/>
-              <a:t>Tuesday, April 16, 2024</a:t>
+              <a:t>Wednesday, April 24, 2024</a:t>
             </a:fld>
             <a:endParaRPr lang="en-US"/>
           </a:p>
@@ -1829,7 +1831,7 @@
           <a:p>
             <a:fld id="{D2CCD382-DFDA-4722-A27A-59C21AD112F2}" type="datetime2">
               <a:rPr lang="en-US" smtClean="0"/>
-              <a:t>Tuesday, April 16, 2024</a:t>
+              <a:t>Wednesday, April 24, 2024</a:t>
             </a:fld>
             <a:endParaRPr lang="en-US"/>
           </a:p>
@@ -1974,7 +1976,7 @@
           <a:p>
             <a:fld id="{22F2A30D-1C09-413F-AAB1-38F366000715}" type="datetime2">
               <a:rPr lang="en-US" smtClean="0"/>
-              <a:t>Tuesday, April 16, 2024</a:t>
+              <a:t>Wednesday, April 24, 2024</a:t>
             </a:fld>
             <a:endParaRPr lang="en-US"/>
           </a:p>
@@ -2096,7 +2098,7 @@
           <a:p>
             <a:fld id="{6DB82B9C-D65E-4F64-95C3-B10F3B00F0D9}" type="datetime2">
               <a:rPr lang="en-US" smtClean="0"/>
-              <a:t>Tuesday, April 16, 2024</a:t>
+              <a:t>Wednesday, April 24, 2024</a:t>
             </a:fld>
             <a:endParaRPr lang="en-US"/>
           </a:p>
@@ -2419,7 +2421,7 @@
           <a:p>
             <a:fld id="{B7F5FDCC-6AAC-4A08-B9E0-3793AB5E64C3}" type="datetime2">
               <a:rPr lang="en-US" smtClean="0"/>
-              <a:t>Tuesday, April 16, 2024</a:t>
+              <a:t>Wednesday, April 24, 2024</a:t>
             </a:fld>
             <a:endParaRPr lang="en-US"/>
           </a:p>
@@ -2707,7 +2709,7 @@
           <a:p>
             <a:fld id="{349FE94D-439C-40F1-900E-BC07940E3988}" type="datetime2">
               <a:rPr lang="en-US" smtClean="0"/>
-              <a:t>Tuesday, April 16, 2024</a:t>
+              <a:t>Wednesday, April 24, 2024</a:t>
             </a:fld>
             <a:endParaRPr lang="en-US"/>
           </a:p>
@@ -2995,7 +2997,7 @@
           <a:p>
             <a:fld id="{8DEA2CF1-0EB2-4673-802D-3371233E4A77}" type="datetime2">
               <a:rPr lang="en-US" smtClean="0"/>
-              <a:t>Tuesday, April 16, 2024</a:t>
+              <a:t>Wednesday, April 24, 2024</a:t>
             </a:fld>
             <a:endParaRPr lang="en-US" dirty="0"/>
           </a:p>
@@ -4218,13 +4220,13 @@
   <p:clrMapOvr>
     <a:masterClrMapping/>
   </p:clrMapOvr>
-  <mc:AlternateContent xmlns:mc="http://schemas.openxmlformats.org/markup-compatibility/2006">
-    <mc:Choice xmlns:p14="http://schemas.microsoft.com/office/powerpoint/2010/main" Requires="p14">
+  <mc:AlternateContent xmlns:mc="http://schemas.openxmlformats.org/markup-compatibility/2006" xmlns:p14="http://schemas.microsoft.com/office/powerpoint/2010/main">
+    <mc:Choice Requires="p14">
       <p:transition spd="med" p14:dur="700">
         <p:fade/>
       </p:transition>
     </mc:Choice>
-    <mc:Fallback>
+    <mc:Fallback xmlns="">
       <p:transition spd="med">
         <p:fade/>
       </p:transition>
@@ -5131,13 +5133,13 @@
   <p:clrMapOvr>
     <a:masterClrMapping/>
   </p:clrMapOvr>
-  <mc:AlternateContent xmlns:mc="http://schemas.openxmlformats.org/markup-compatibility/2006">
-    <mc:Choice xmlns:p14="http://schemas.microsoft.com/office/powerpoint/2010/main" Requires="p14">
+  <mc:AlternateContent xmlns:mc="http://schemas.openxmlformats.org/markup-compatibility/2006" xmlns:p14="http://schemas.microsoft.com/office/powerpoint/2010/main">
+    <mc:Choice Requires="p14">
       <p:transition spd="med" p14:dur="700">
         <p:fade/>
       </p:transition>
     </mc:Choice>
-    <mc:Fallback>
+    <mc:Fallback xmlns="">
       <p:transition spd="med">
         <p:fade/>
       </p:transition>
@@ -5530,13 +5532,13 @@
   <p:clrMapOvr>
     <a:masterClrMapping/>
   </p:clrMapOvr>
-  <mc:AlternateContent xmlns:mc="http://schemas.openxmlformats.org/markup-compatibility/2006">
-    <mc:Choice xmlns:p14="http://schemas.microsoft.com/office/powerpoint/2010/main" Requires="p14">
+  <mc:AlternateContent xmlns:mc="http://schemas.openxmlformats.org/markup-compatibility/2006" xmlns:p14="http://schemas.microsoft.com/office/powerpoint/2010/main">
+    <mc:Choice Requires="p14">
       <p:transition spd="med" p14:dur="700">
         <p:fade/>
       </p:transition>
     </mc:Choice>
-    <mc:Fallback>
+    <mc:Fallback xmlns="">
       <p:transition spd="med">
         <p:fade/>
       </p:transition>
@@ -5954,2128 +5956,13 @@
   <p:clrMapOvr>
     <a:masterClrMapping/>
   </p:clrMapOvr>
-  <mc:AlternateContent xmlns:mc="http://schemas.openxmlformats.org/markup-compatibility/2006">
-    <mc:Choice xmlns:p14="http://schemas.microsoft.com/office/powerpoint/2010/main" Requires="p14">
+  <mc:AlternateContent xmlns:mc="http://schemas.openxmlformats.org/markup-compatibility/2006" xmlns:p14="http://schemas.microsoft.com/office/powerpoint/2010/main">
+    <mc:Choice Requires="p14">
       <p:transition spd="med" p14:dur="700">
         <p:fade/>
       </p:transition>
     </mc:Choice>
-    <mc:Fallback>
-      <p:transition spd="med">
-        <p:fade/>
-      </p:transition>
-    </mc:Fallback>
-  </mc:AlternateContent>
-</p:sld>
-</file>
-
-<file path=ppt/slides/slide5.xml><?xml version="1.0" encoding="utf-8"?>
-<p:sld xmlns:a="http://schemas.openxmlformats.org/drawingml/2006/main" xmlns:r="http://schemas.openxmlformats.org/officeDocument/2006/relationships" xmlns:p="http://schemas.openxmlformats.org/presentationml/2006/main">
-  <p:cSld>
-    <p:bg>
-      <p:bgPr>
-        <a:solidFill>
-          <a:schemeClr val="bg2"/>
-        </a:solidFill>
-        <a:effectLst/>
-      </p:bgPr>
-    </p:bg>
-    <p:spTree>
-      <p:nvGrpSpPr>
-        <p:cNvPr id="1" name=""/>
-        <p:cNvGrpSpPr/>
-        <p:nvPr/>
-      </p:nvGrpSpPr>
-      <p:grpSpPr>
-        <a:xfrm>
-          <a:off x="0" y="0"/>
-          <a:ext cx="0" cy="0"/>
-          <a:chOff x="0" y="0"/>
-          <a:chExt cx="0" cy="0"/>
-        </a:xfrm>
-      </p:grpSpPr>
-      <p:sp useBgFill="1">
-        <p:nvSpPr>
-          <p:cNvPr id="8" name="Rectangle 7">
-            <a:extLst>
-              <a:ext uri="{FF2B5EF4-FFF2-40B4-BE49-F238E27FC236}">
-                <a16:creationId xmlns:a16="http://schemas.microsoft.com/office/drawing/2014/main" id="{6E9D6223-8D87-4038-BE74-D5224B024FFD}"/>
-              </a:ext>
-              <a:ext uri="{C183D7F6-B498-43B3-948B-1728B52AA6E4}">
-                <adec:decorative xmlns:adec="http://schemas.microsoft.com/office/drawing/2017/decorative" val="1"/>
-              </a:ext>
-            </a:extLst>
-          </p:cNvPr>
-          <p:cNvSpPr>
-            <a:spLocks noGrp="1" noRot="1" noChangeAspect="1" noMove="1" noResize="1" noEditPoints="1" noAdjustHandles="1" noChangeArrowheads="1" noChangeShapeType="1" noTextEdit="1"/>
-          </p:cNvSpPr>
-          <p:nvPr>
-            <p:extLst>
-              <p:ext uri="{386F3935-93C4-4BCD-93E2-E3B085C9AB24}">
-                <p16:designElem xmlns:p16="http://schemas.microsoft.com/office/powerpoint/2015/main" val="1"/>
-              </p:ext>
-            </p:extLst>
-          </p:nvPr>
-        </p:nvSpPr>
-        <p:spPr>
-          <a:xfrm>
-            <a:off x="0" y="0"/>
-            <a:ext cx="12192000" cy="6858000"/>
-          </a:xfrm>
-          <a:prstGeom prst="rect">
-            <a:avLst/>
-          </a:prstGeom>
-          <a:ln w="12700" cap="flat" cmpd="sng" algn="ctr">
-            <a:noFill/>
-            <a:prstDash val="solid"/>
-            <a:miter lim="800000"/>
-          </a:ln>
-          <a:effectLst/>
-        </p:spPr>
-        <p:style>
-          <a:lnRef idx="2">
-            <a:schemeClr val="accent1">
-              <a:shade val="50000"/>
-            </a:schemeClr>
-          </a:lnRef>
-          <a:fillRef idx="1">
-            <a:schemeClr val="accent1"/>
-          </a:fillRef>
-          <a:effectRef idx="0">
-            <a:schemeClr val="accent1"/>
-          </a:effectRef>
-          <a:fontRef idx="minor">
-            <a:schemeClr val="lt1"/>
-          </a:fontRef>
-        </p:style>
-        <p:txBody>
-          <a:bodyPr rtlCol="0" anchor="ctr"/>
-          <a:lstStyle/>
-          <a:p>
-            <a:pPr algn="ctr"/>
-            <a:endParaRPr lang="en-US"/>
-          </a:p>
-        </p:txBody>
-      </p:sp>
-      <p:sp>
-        <p:nvSpPr>
-          <p:cNvPr id="10" name="Rectangle 9">
-            <a:extLst>
-              <a:ext uri="{FF2B5EF4-FFF2-40B4-BE49-F238E27FC236}">
-                <a16:creationId xmlns:a16="http://schemas.microsoft.com/office/drawing/2014/main" id="{A46FBF49-EC0D-4E09-A77B-DB4E8257E7EA}"/>
-              </a:ext>
-              <a:ext uri="{C183D7F6-B498-43B3-948B-1728B52AA6E4}">
-                <adec:decorative xmlns:adec="http://schemas.microsoft.com/office/drawing/2017/decorative" val="1"/>
-              </a:ext>
-            </a:extLst>
-          </p:cNvPr>
-          <p:cNvSpPr>
-            <a:spLocks noGrp="1" noRot="1" noChangeAspect="1" noMove="1" noResize="1" noEditPoints="1" noAdjustHandles="1" noChangeArrowheads="1" noChangeShapeType="1" noTextEdit="1"/>
-          </p:cNvSpPr>
-          <p:nvPr>
-            <p:extLst>
-              <p:ext uri="{386F3935-93C4-4BCD-93E2-E3B085C9AB24}">
-                <p16:designElem xmlns:p16="http://schemas.microsoft.com/office/powerpoint/2015/main" val="1"/>
-              </p:ext>
-            </p:extLst>
-          </p:nvPr>
-        </p:nvSpPr>
-        <p:spPr>
-          <a:xfrm>
-            <a:off x="0" y="0"/>
-            <a:ext cx="12192000" cy="6858000"/>
-          </a:xfrm>
-          <a:prstGeom prst="rect">
-            <a:avLst/>
-          </a:prstGeom>
-          <a:solidFill>
-            <a:schemeClr val="bg2">
-              <a:lumMod val="90000"/>
-              <a:lumOff val="10000"/>
-            </a:schemeClr>
-          </a:solidFill>
-          <a:ln w="12700" cap="flat" cmpd="sng" algn="ctr">
-            <a:noFill/>
-            <a:prstDash val="solid"/>
-            <a:miter lim="800000"/>
-          </a:ln>
-          <a:effectLst/>
-        </p:spPr>
-        <p:style>
-          <a:lnRef idx="2">
-            <a:schemeClr val="accent1">
-              <a:shade val="50000"/>
-            </a:schemeClr>
-          </a:lnRef>
-          <a:fillRef idx="1">
-            <a:schemeClr val="accent1"/>
-          </a:fillRef>
-          <a:effectRef idx="0">
-            <a:schemeClr val="accent1"/>
-          </a:effectRef>
-          <a:fontRef idx="minor">
-            <a:schemeClr val="lt1"/>
-          </a:fontRef>
-        </p:style>
-        <p:txBody>
-          <a:bodyPr rtlCol="0" anchor="ctr"/>
-          <a:lstStyle/>
-          <a:p>
-            <a:pPr algn="ctr"/>
-            <a:endParaRPr lang="en-US"/>
-          </a:p>
-        </p:txBody>
-      </p:sp>
-      <p:sp>
-        <p:nvSpPr>
-          <p:cNvPr id="12" name="Freeform: Shape 11">
-            <a:extLst>
-              <a:ext uri="{FF2B5EF4-FFF2-40B4-BE49-F238E27FC236}">
-                <a16:creationId xmlns:a16="http://schemas.microsoft.com/office/drawing/2014/main" id="{63AA13D0-BF0A-4B8F-9FD6-CAE2DCD93980}"/>
-              </a:ext>
-              <a:ext uri="{C183D7F6-B498-43B3-948B-1728B52AA6E4}">
-                <adec:decorative xmlns:adec="http://schemas.microsoft.com/office/drawing/2017/decorative" val="1"/>
-              </a:ext>
-            </a:extLst>
-          </p:cNvPr>
-          <p:cNvSpPr>
-            <a:spLocks noGrp="1" noRot="1" noChangeAspect="1" noMove="1" noResize="1" noEditPoints="1" noAdjustHandles="1" noChangeArrowheads="1" noChangeShapeType="1" noTextEdit="1"/>
-          </p:cNvSpPr>
-          <p:nvPr>
-            <p:extLst>
-              <p:ext uri="{386F3935-93C4-4BCD-93E2-E3B085C9AB24}">
-                <p16:designElem xmlns:p16="http://schemas.microsoft.com/office/powerpoint/2015/main" val="1"/>
-              </p:ext>
-            </p:extLst>
-          </p:nvPr>
-        </p:nvSpPr>
-        <p:spPr bwMode="auto">
-          <a:xfrm>
-            <a:off x="1" y="0"/>
-            <a:ext cx="9705717" cy="6858000"/>
-          </a:xfrm>
-          <a:custGeom>
-            <a:avLst/>
-            <a:gdLst>
-              <a:gd name="connsiteX0" fmla="*/ 0 w 9705717"/>
-              <a:gd name="connsiteY0" fmla="*/ 0 h 6858000"/>
-              <a:gd name="connsiteX1" fmla="*/ 8892014 w 9705717"/>
-              <a:gd name="connsiteY1" fmla="*/ 0 h 6858000"/>
-              <a:gd name="connsiteX2" fmla="*/ 8948109 w 9705717"/>
-              <a:gd name="connsiteY2" fmla="*/ 119185 h 6858000"/>
-              <a:gd name="connsiteX3" fmla="*/ 9361712 w 9705717"/>
-              <a:gd name="connsiteY3" fmla="*/ 1009060 h 6858000"/>
-              <a:gd name="connsiteX4" fmla="*/ 9569814 w 9705717"/>
-              <a:gd name="connsiteY4" fmla="*/ 4722415 h 6858000"/>
-              <a:gd name="connsiteX5" fmla="*/ 8937785 w 9705717"/>
-              <a:gd name="connsiteY5" fmla="*/ 6619105 h 6858000"/>
-              <a:gd name="connsiteX6" fmla="*/ 8749280 w 9705717"/>
-              <a:gd name="connsiteY6" fmla="*/ 6858000 h 6858000"/>
-              <a:gd name="connsiteX7" fmla="*/ 0 w 9705717"/>
-              <a:gd name="connsiteY7" fmla="*/ 6858000 h 6858000"/>
-            </a:gdLst>
-            <a:ahLst/>
-            <a:cxnLst>
-              <a:cxn ang="0">
-                <a:pos x="connsiteX0" y="connsiteY0"/>
-              </a:cxn>
-              <a:cxn ang="0">
-                <a:pos x="connsiteX1" y="connsiteY1"/>
-              </a:cxn>
-              <a:cxn ang="0">
-                <a:pos x="connsiteX2" y="connsiteY2"/>
-              </a:cxn>
-              <a:cxn ang="0">
-                <a:pos x="connsiteX3" y="connsiteY3"/>
-              </a:cxn>
-              <a:cxn ang="0">
-                <a:pos x="connsiteX4" y="connsiteY4"/>
-              </a:cxn>
-              <a:cxn ang="0">
-                <a:pos x="connsiteX5" y="connsiteY5"/>
-              </a:cxn>
-              <a:cxn ang="0">
-                <a:pos x="connsiteX6" y="connsiteY6"/>
-              </a:cxn>
-              <a:cxn ang="0">
-                <a:pos x="connsiteX7" y="connsiteY7"/>
-              </a:cxn>
-            </a:cxnLst>
-            <a:rect l="l" t="t" r="r" b="b"/>
-            <a:pathLst>
-              <a:path w="9705717" h="6858000">
-                <a:moveTo>
-                  <a:pt x="0" y="0"/>
-                </a:moveTo>
-                <a:lnTo>
-                  <a:pt x="8892014" y="0"/>
-                </a:lnTo>
-                <a:lnTo>
-                  <a:pt x="8948109" y="119185"/>
-                </a:lnTo>
-                <a:cubicBezTo>
-                  <a:pt x="9080774" y="406683"/>
-                  <a:pt x="9216041" y="706568"/>
-                  <a:pt x="9361712" y="1009060"/>
-                </a:cubicBezTo>
-                <a:cubicBezTo>
-                  <a:pt x="9986018" y="2093861"/>
-                  <a:pt x="9569814" y="4346908"/>
-                  <a:pt x="9569814" y="4722415"/>
-                </a:cubicBezTo>
-                <a:cubicBezTo>
-                  <a:pt x="9569814" y="5635108"/>
-                  <a:pt x="9260912" y="6189243"/>
-                  <a:pt x="8937785" y="6619105"/>
-                </a:cubicBezTo>
-                <a:lnTo>
-                  <a:pt x="8749280" y="6858000"/>
-                </a:lnTo>
-                <a:lnTo>
-                  <a:pt x="0" y="6858000"/>
-                </a:lnTo>
-                <a:close/>
-              </a:path>
-            </a:pathLst>
-          </a:custGeom>
-          <a:solidFill>
-            <a:schemeClr val="bg2"/>
-          </a:solidFill>
-          <a:ln>
-            <a:noFill/>
-          </a:ln>
-        </p:spPr>
-        <p:txBody>
-          <a:bodyPr vert="horz" wrap="square" lIns="91440" tIns="45720" rIns="91440" bIns="45720" numCol="1" anchor="t" anchorCtr="0" compatLnSpc="1">
-            <a:prstTxWarp prst="textNoShape">
-              <a:avLst/>
-            </a:prstTxWarp>
-            <a:noAutofit/>
-          </a:bodyPr>
-          <a:lstStyle/>
-          <a:p>
-            <a:endParaRPr lang="en-US"/>
-          </a:p>
-        </p:txBody>
-      </p:sp>
-      <p:sp>
-        <p:nvSpPr>
-          <p:cNvPr id="2" name="Nadpis 1">
-            <a:extLst>
-              <a:ext uri="{FF2B5EF4-FFF2-40B4-BE49-F238E27FC236}">
-                <a16:creationId xmlns:a16="http://schemas.microsoft.com/office/drawing/2014/main" id="{F8A99454-514B-C74E-0AC6-50135E0AEF4F}"/>
-              </a:ext>
-            </a:extLst>
-          </p:cNvPr>
-          <p:cNvSpPr>
-            <a:spLocks noGrp="1"/>
-          </p:cNvSpPr>
-          <p:nvPr>
-            <p:ph type="title"/>
-          </p:nvPr>
-        </p:nvSpPr>
-        <p:spPr>
-          <a:xfrm>
-            <a:off x="720000" y="619200"/>
-            <a:ext cx="6911974" cy="1477328"/>
-          </a:xfrm>
-        </p:spPr>
-        <p:txBody>
-          <a:bodyPr wrap="square" anchor="ctr">
-            <a:normAutofit/>
-          </a:bodyPr>
-          <a:lstStyle/>
-          <a:p>
-            <a:r>
-              <a:rPr lang="sk-SK" sz="3200">
-                <a:latin typeface="Agency FB" panose="020B0503020202020204" pitchFamily="34" charset="0"/>
-              </a:rPr>
-              <a:t>Zhodnotenie</a:t>
-            </a:r>
-          </a:p>
-        </p:txBody>
-      </p:sp>
-      <p:sp>
-        <p:nvSpPr>
-          <p:cNvPr id="3" name="Zástupný objekt pre obsah 2">
-            <a:extLst>
-              <a:ext uri="{FF2B5EF4-FFF2-40B4-BE49-F238E27FC236}">
-                <a16:creationId xmlns:a16="http://schemas.microsoft.com/office/drawing/2014/main" id="{59A22C91-0EC1-52F8-1FED-0E00B4F28CBD}"/>
-              </a:ext>
-            </a:extLst>
-          </p:cNvPr>
-          <p:cNvSpPr>
-            <a:spLocks noGrp="1"/>
-          </p:cNvSpPr>
-          <p:nvPr>
-            <p:ph idx="1"/>
-          </p:nvPr>
-        </p:nvSpPr>
-        <p:spPr>
-          <a:xfrm>
-            <a:off x="720000" y="2541600"/>
-            <a:ext cx="6911975" cy="3216273"/>
-          </a:xfrm>
-        </p:spPr>
-        <p:txBody>
-          <a:bodyPr>
-            <a:normAutofit/>
-          </a:bodyPr>
-          <a:lstStyle/>
-          <a:p>
-            <a:r>
-              <a:rPr lang="sk-SK" dirty="0" err="1"/>
-              <a:t>Rust</a:t>
-            </a:r>
-            <a:r>
-              <a:rPr lang="sk-SK" dirty="0"/>
-              <a:t> je úžasný jazyk</a:t>
-            </a:r>
-          </a:p>
-          <a:p>
-            <a:r>
-              <a:rPr lang="sk-SK" dirty="0"/>
-              <a:t>Rýchlosť a efektivita</a:t>
-            </a:r>
-          </a:p>
-          <a:p>
-            <a:r>
-              <a:rPr lang="sk-SK" dirty="0"/>
-              <a:t>Ešte sa máme čo učiť</a:t>
-            </a:r>
-          </a:p>
-          <a:p>
-            <a:endParaRPr lang="sk-SK" dirty="0"/>
-          </a:p>
-        </p:txBody>
-      </p:sp>
-      <p:sp>
-        <p:nvSpPr>
-          <p:cNvPr id="14" name="Freeform 10">
-            <a:extLst>
-              <a:ext uri="{FF2B5EF4-FFF2-40B4-BE49-F238E27FC236}">
-                <a16:creationId xmlns:a16="http://schemas.microsoft.com/office/drawing/2014/main" id="{15BE2CF8-7196-4BC3-B312-B0EE486D92FB}"/>
-              </a:ext>
-              <a:ext uri="{C183D7F6-B498-43B3-948B-1728B52AA6E4}">
-                <adec:decorative xmlns:adec="http://schemas.microsoft.com/office/drawing/2017/decorative" val="1"/>
-              </a:ext>
-            </a:extLst>
-          </p:cNvPr>
-          <p:cNvSpPr>
-            <a:spLocks noGrp="1" noRot="1" noChangeAspect="1" noMove="1" noResize="1" noEditPoints="1" noAdjustHandles="1" noChangeArrowheads="1" noChangeShapeType="1" noTextEdit="1"/>
-          </p:cNvSpPr>
-          <p:nvPr>
-            <p:extLst>
-              <p:ext uri="{386F3935-93C4-4BCD-93E2-E3B085C9AB24}">
-                <p16:designElem xmlns:p16="http://schemas.microsoft.com/office/powerpoint/2015/main" val="1"/>
-              </p:ext>
-            </p:extLst>
-          </p:nvPr>
-        </p:nvSpPr>
-        <p:spPr bwMode="auto">
-          <a:xfrm rot="15824556">
-            <a:off x="8226571" y="2916066"/>
-            <a:ext cx="3518890" cy="3293724"/>
-          </a:xfrm>
-          <a:custGeom>
-            <a:avLst/>
-            <a:gdLst>
-              <a:gd name="T0" fmla="*/ 43 w 250"/>
-              <a:gd name="T1" fmla="*/ 167 h 234"/>
-              <a:gd name="T2" fmla="*/ 70 w 250"/>
-              <a:gd name="T3" fmla="*/ 133 h 234"/>
-              <a:gd name="T4" fmla="*/ 48 w 250"/>
-              <a:gd name="T5" fmla="*/ 134 h 234"/>
-              <a:gd name="T6" fmla="*/ 19 w 250"/>
-              <a:gd name="T7" fmla="*/ 130 h 234"/>
-              <a:gd name="T8" fmla="*/ 6 w 250"/>
-              <a:gd name="T9" fmla="*/ 123 h 234"/>
-              <a:gd name="T10" fmla="*/ 1 w 250"/>
-              <a:gd name="T11" fmla="*/ 103 h 234"/>
-              <a:gd name="T12" fmla="*/ 11 w 250"/>
-              <a:gd name="T13" fmla="*/ 81 h 234"/>
-              <a:gd name="T14" fmla="*/ 23 w 250"/>
-              <a:gd name="T15" fmla="*/ 76 h 234"/>
-              <a:gd name="T16" fmla="*/ 81 w 250"/>
-              <a:gd name="T17" fmla="*/ 78 h 234"/>
-              <a:gd name="T18" fmla="*/ 65 w 250"/>
-              <a:gd name="T19" fmla="*/ 49 h 234"/>
-              <a:gd name="T20" fmla="*/ 57 w 250"/>
-              <a:gd name="T21" fmla="*/ 27 h 234"/>
-              <a:gd name="T22" fmla="*/ 67 w 250"/>
-              <a:gd name="T23" fmla="*/ 12 h 234"/>
-              <a:gd name="T24" fmla="*/ 85 w 250"/>
-              <a:gd name="T25" fmla="*/ 1 h 234"/>
-              <a:gd name="T26" fmla="*/ 101 w 250"/>
-              <a:gd name="T27" fmla="*/ 8 h 234"/>
-              <a:gd name="T28" fmla="*/ 107 w 250"/>
-              <a:gd name="T29" fmla="*/ 15 h 234"/>
-              <a:gd name="T30" fmla="*/ 120 w 250"/>
-              <a:gd name="T31" fmla="*/ 37 h 234"/>
-              <a:gd name="T32" fmla="*/ 131 w 250"/>
-              <a:gd name="T33" fmla="*/ 60 h 234"/>
-              <a:gd name="T34" fmla="*/ 164 w 250"/>
-              <a:gd name="T35" fmla="*/ 25 h 234"/>
-              <a:gd name="T36" fmla="*/ 187 w 250"/>
-              <a:gd name="T37" fmla="*/ 11 h 234"/>
-              <a:gd name="T38" fmla="*/ 205 w 250"/>
-              <a:gd name="T39" fmla="*/ 19 h 234"/>
-              <a:gd name="T40" fmla="*/ 214 w 250"/>
-              <a:gd name="T41" fmla="*/ 34 h 234"/>
-              <a:gd name="T42" fmla="*/ 203 w 250"/>
-              <a:gd name="T43" fmla="*/ 57 h 234"/>
-              <a:gd name="T44" fmla="*/ 166 w 250"/>
-              <a:gd name="T45" fmla="*/ 100 h 234"/>
-              <a:gd name="T46" fmla="*/ 217 w 250"/>
-              <a:gd name="T47" fmla="*/ 98 h 234"/>
-              <a:gd name="T48" fmla="*/ 244 w 250"/>
-              <a:gd name="T49" fmla="*/ 104 h 234"/>
-              <a:gd name="T50" fmla="*/ 249 w 250"/>
-              <a:gd name="T51" fmla="*/ 115 h 234"/>
-              <a:gd name="T52" fmla="*/ 247 w 250"/>
-              <a:gd name="T53" fmla="*/ 129 h 234"/>
-              <a:gd name="T54" fmla="*/ 245 w 250"/>
-              <a:gd name="T55" fmla="*/ 134 h 234"/>
-              <a:gd name="T56" fmla="*/ 241 w 250"/>
-              <a:gd name="T57" fmla="*/ 141 h 234"/>
-              <a:gd name="T58" fmla="*/ 227 w 250"/>
-              <a:gd name="T59" fmla="*/ 147 h 234"/>
-              <a:gd name="T60" fmla="*/ 187 w 250"/>
-              <a:gd name="T61" fmla="*/ 151 h 234"/>
-              <a:gd name="T62" fmla="*/ 160 w 250"/>
-              <a:gd name="T63" fmla="*/ 148 h 234"/>
-              <a:gd name="T64" fmla="*/ 168 w 250"/>
-              <a:gd name="T65" fmla="*/ 168 h 234"/>
-              <a:gd name="T66" fmla="*/ 176 w 250"/>
-              <a:gd name="T67" fmla="*/ 194 h 234"/>
-              <a:gd name="T68" fmla="*/ 176 w 250"/>
-              <a:gd name="T69" fmla="*/ 211 h 234"/>
-              <a:gd name="T70" fmla="*/ 170 w 250"/>
-              <a:gd name="T71" fmla="*/ 221 h 234"/>
-              <a:gd name="T72" fmla="*/ 156 w 250"/>
-              <a:gd name="T73" fmla="*/ 230 h 234"/>
-              <a:gd name="T74" fmla="*/ 130 w 250"/>
-              <a:gd name="T75" fmla="*/ 226 h 234"/>
-              <a:gd name="T76" fmla="*/ 122 w 250"/>
-              <a:gd name="T77" fmla="*/ 213 h 234"/>
-              <a:gd name="T78" fmla="*/ 110 w 250"/>
-              <a:gd name="T79" fmla="*/ 169 h 234"/>
-              <a:gd name="T80" fmla="*/ 92 w 250"/>
-              <a:gd name="T81" fmla="*/ 192 h 234"/>
-              <a:gd name="T82" fmla="*/ 87 w 250"/>
-              <a:gd name="T83" fmla="*/ 197 h 234"/>
-              <a:gd name="T84" fmla="*/ 84 w 250"/>
-              <a:gd name="T85" fmla="*/ 201 h 234"/>
-              <a:gd name="T86" fmla="*/ 65 w 250"/>
-              <a:gd name="T87" fmla="*/ 212 h 234"/>
-              <a:gd name="T88" fmla="*/ 50 w 250"/>
-              <a:gd name="T89" fmla="*/ 204 h 234"/>
-              <a:gd name="T90" fmla="*/ 44 w 250"/>
-              <a:gd name="T91" fmla="*/ 198 h 234"/>
-              <a:gd name="T92" fmla="*/ 38 w 250"/>
-              <a:gd name="T93" fmla="*/ 185 h 234"/>
-              <a:gd name="T94" fmla="*/ 43 w 250"/>
-              <a:gd name="T95" fmla="*/ 167 h 234"/>
-            </a:gdLst>
-            <a:ahLst/>
-            <a:cxnLst>
-              <a:cxn ang="0">
-                <a:pos x="T0" y="T1"/>
-              </a:cxn>
-              <a:cxn ang="0">
-                <a:pos x="T2" y="T3"/>
-              </a:cxn>
-              <a:cxn ang="0">
-                <a:pos x="T4" y="T5"/>
-              </a:cxn>
-              <a:cxn ang="0">
-                <a:pos x="T6" y="T7"/>
-              </a:cxn>
-              <a:cxn ang="0">
-                <a:pos x="T8" y="T9"/>
-              </a:cxn>
-              <a:cxn ang="0">
-                <a:pos x="T10" y="T11"/>
-              </a:cxn>
-              <a:cxn ang="0">
-                <a:pos x="T12" y="T13"/>
-              </a:cxn>
-              <a:cxn ang="0">
-                <a:pos x="T14" y="T15"/>
-              </a:cxn>
-              <a:cxn ang="0">
-                <a:pos x="T16" y="T17"/>
-              </a:cxn>
-              <a:cxn ang="0">
-                <a:pos x="T18" y="T19"/>
-              </a:cxn>
-              <a:cxn ang="0">
-                <a:pos x="T20" y="T21"/>
-              </a:cxn>
-              <a:cxn ang="0">
-                <a:pos x="T22" y="T23"/>
-              </a:cxn>
-              <a:cxn ang="0">
-                <a:pos x="T24" y="T25"/>
-              </a:cxn>
-              <a:cxn ang="0">
-                <a:pos x="T26" y="T27"/>
-              </a:cxn>
-              <a:cxn ang="0">
-                <a:pos x="T28" y="T29"/>
-              </a:cxn>
-              <a:cxn ang="0">
-                <a:pos x="T30" y="T31"/>
-              </a:cxn>
-              <a:cxn ang="0">
-                <a:pos x="T32" y="T33"/>
-              </a:cxn>
-              <a:cxn ang="0">
-                <a:pos x="T34" y="T35"/>
-              </a:cxn>
-              <a:cxn ang="0">
-                <a:pos x="T36" y="T37"/>
-              </a:cxn>
-              <a:cxn ang="0">
-                <a:pos x="T38" y="T39"/>
-              </a:cxn>
-              <a:cxn ang="0">
-                <a:pos x="T40" y="T41"/>
-              </a:cxn>
-              <a:cxn ang="0">
-                <a:pos x="T42" y="T43"/>
-              </a:cxn>
-              <a:cxn ang="0">
-                <a:pos x="T44" y="T45"/>
-              </a:cxn>
-              <a:cxn ang="0">
-                <a:pos x="T46" y="T47"/>
-              </a:cxn>
-              <a:cxn ang="0">
-                <a:pos x="T48" y="T49"/>
-              </a:cxn>
-              <a:cxn ang="0">
-                <a:pos x="T50" y="T51"/>
-              </a:cxn>
-              <a:cxn ang="0">
-                <a:pos x="T52" y="T53"/>
-              </a:cxn>
-              <a:cxn ang="0">
-                <a:pos x="T54" y="T55"/>
-              </a:cxn>
-              <a:cxn ang="0">
-                <a:pos x="T56" y="T57"/>
-              </a:cxn>
-              <a:cxn ang="0">
-                <a:pos x="T58" y="T59"/>
-              </a:cxn>
-              <a:cxn ang="0">
-                <a:pos x="T60" y="T61"/>
-              </a:cxn>
-              <a:cxn ang="0">
-                <a:pos x="T62" y="T63"/>
-              </a:cxn>
-              <a:cxn ang="0">
-                <a:pos x="T64" y="T65"/>
-              </a:cxn>
-              <a:cxn ang="0">
-                <a:pos x="T66" y="T67"/>
-              </a:cxn>
-              <a:cxn ang="0">
-                <a:pos x="T68" y="T69"/>
-              </a:cxn>
-              <a:cxn ang="0">
-                <a:pos x="T70" y="T71"/>
-              </a:cxn>
-              <a:cxn ang="0">
-                <a:pos x="T72" y="T73"/>
-              </a:cxn>
-              <a:cxn ang="0">
-                <a:pos x="T74" y="T75"/>
-              </a:cxn>
-              <a:cxn ang="0">
-                <a:pos x="T76" y="T77"/>
-              </a:cxn>
-              <a:cxn ang="0">
-                <a:pos x="T78" y="T79"/>
-              </a:cxn>
-              <a:cxn ang="0">
-                <a:pos x="T80" y="T81"/>
-              </a:cxn>
-              <a:cxn ang="0">
-                <a:pos x="T82" y="T83"/>
-              </a:cxn>
-              <a:cxn ang="0">
-                <a:pos x="T84" y="T85"/>
-              </a:cxn>
-              <a:cxn ang="0">
-                <a:pos x="T86" y="T87"/>
-              </a:cxn>
-              <a:cxn ang="0">
-                <a:pos x="T88" y="T89"/>
-              </a:cxn>
-              <a:cxn ang="0">
-                <a:pos x="T90" y="T91"/>
-              </a:cxn>
-              <a:cxn ang="0">
-                <a:pos x="T92" y="T93"/>
-              </a:cxn>
-              <a:cxn ang="0">
-                <a:pos x="T94" y="T95"/>
-              </a:cxn>
-            </a:cxnLst>
-            <a:rect l="0" t="0" r="r" b="b"/>
-            <a:pathLst>
-              <a:path w="250" h="234">
-                <a:moveTo>
-                  <a:pt x="43" y="167"/>
-                </a:moveTo>
-                <a:cubicBezTo>
-                  <a:pt x="70" y="133"/>
-                  <a:pt x="70" y="133"/>
-                  <a:pt x="70" y="133"/>
-                </a:cubicBezTo>
-                <a:cubicBezTo>
-                  <a:pt x="60" y="134"/>
-                  <a:pt x="61" y="134"/>
-                  <a:pt x="48" y="134"/>
-                </a:cubicBezTo>
-                <a:cubicBezTo>
-                  <a:pt x="34" y="133"/>
-                  <a:pt x="24" y="132"/>
-                  <a:pt x="19" y="130"/>
-                </a:cubicBezTo>
-                <a:cubicBezTo>
-                  <a:pt x="13" y="128"/>
-                  <a:pt x="9" y="126"/>
-                  <a:pt x="6" y="123"/>
-                </a:cubicBezTo>
-                <a:cubicBezTo>
-                  <a:pt x="1" y="119"/>
-                  <a:pt x="0" y="112"/>
-                  <a:pt x="1" y="103"/>
-                </a:cubicBezTo>
-                <a:cubicBezTo>
-                  <a:pt x="2" y="93"/>
-                  <a:pt x="6" y="86"/>
-                  <a:pt x="11" y="81"/>
-                </a:cubicBezTo>
-                <a:cubicBezTo>
-                  <a:pt x="15" y="77"/>
-                  <a:pt x="18" y="76"/>
-                  <a:pt x="23" y="76"/>
-                </a:cubicBezTo>
-                <a:cubicBezTo>
-                  <a:pt x="81" y="78"/>
-                  <a:pt x="81" y="78"/>
-                  <a:pt x="81" y="78"/>
-                </a:cubicBezTo>
-                <a:cubicBezTo>
-                  <a:pt x="65" y="49"/>
-                  <a:pt x="65" y="49"/>
-                  <a:pt x="65" y="49"/>
-                </a:cubicBezTo>
-                <a:cubicBezTo>
-                  <a:pt x="58" y="40"/>
-                  <a:pt x="56" y="33"/>
-                  <a:pt x="57" y="27"/>
-                </a:cubicBezTo>
-                <a:cubicBezTo>
-                  <a:pt x="58" y="21"/>
-                  <a:pt x="62" y="16"/>
-                  <a:pt x="67" y="12"/>
-                </a:cubicBezTo>
-                <a:cubicBezTo>
-                  <a:pt x="74" y="6"/>
-                  <a:pt x="80" y="2"/>
-                  <a:pt x="85" y="1"/>
-                </a:cubicBezTo>
-                <a:cubicBezTo>
-                  <a:pt x="90" y="0"/>
-                  <a:pt x="95" y="2"/>
-                  <a:pt x="101" y="8"/>
-                </a:cubicBezTo>
-                <a:cubicBezTo>
-                  <a:pt x="104" y="11"/>
-                  <a:pt x="106" y="13"/>
-                  <a:pt x="107" y="15"/>
-                </a:cubicBezTo>
-                <a:cubicBezTo>
-                  <a:pt x="110" y="19"/>
-                  <a:pt x="112" y="20"/>
-                  <a:pt x="120" y="37"/>
-                </a:cubicBezTo>
-                <a:cubicBezTo>
-                  <a:pt x="129" y="55"/>
-                  <a:pt x="128" y="51"/>
-                  <a:pt x="131" y="60"/>
-                </a:cubicBezTo>
-                <a:cubicBezTo>
-                  <a:pt x="164" y="25"/>
-                  <a:pt x="164" y="25"/>
-                  <a:pt x="164" y="25"/>
-                </a:cubicBezTo>
-                <a:cubicBezTo>
-                  <a:pt x="173" y="16"/>
-                  <a:pt x="180" y="11"/>
-                  <a:pt x="187" y="11"/>
-                </a:cubicBezTo>
-                <a:cubicBezTo>
-                  <a:pt x="193" y="10"/>
-                  <a:pt x="200" y="13"/>
-                  <a:pt x="205" y="19"/>
-                </a:cubicBezTo>
-                <a:cubicBezTo>
-                  <a:pt x="210" y="24"/>
-                  <a:pt x="213" y="29"/>
-                  <a:pt x="214" y="34"/>
-                </a:cubicBezTo>
-                <a:cubicBezTo>
-                  <a:pt x="214" y="39"/>
-                  <a:pt x="211" y="47"/>
-                  <a:pt x="203" y="57"/>
-                </a:cubicBezTo>
-                <a:cubicBezTo>
-                  <a:pt x="166" y="100"/>
-                  <a:pt x="166" y="100"/>
-                  <a:pt x="166" y="100"/>
-                </a:cubicBezTo>
-                <a:cubicBezTo>
-                  <a:pt x="217" y="98"/>
-                  <a:pt x="217" y="98"/>
-                  <a:pt x="217" y="98"/>
-                </a:cubicBezTo>
-                <a:cubicBezTo>
-                  <a:pt x="229" y="96"/>
-                  <a:pt x="238" y="98"/>
-                  <a:pt x="244" y="104"/>
-                </a:cubicBezTo>
-                <a:cubicBezTo>
-                  <a:pt x="247" y="107"/>
-                  <a:pt x="249" y="111"/>
-                  <a:pt x="249" y="115"/>
-                </a:cubicBezTo>
-                <a:cubicBezTo>
-                  <a:pt x="250" y="120"/>
-                  <a:pt x="249" y="124"/>
-                  <a:pt x="247" y="129"/>
-                </a:cubicBezTo>
-                <a:cubicBezTo>
-                  <a:pt x="247" y="130"/>
-                  <a:pt x="246" y="132"/>
-                  <a:pt x="245" y="134"/>
-                </a:cubicBezTo>
-                <a:cubicBezTo>
-                  <a:pt x="244" y="137"/>
-                  <a:pt x="243" y="140"/>
-                  <a:pt x="241" y="141"/>
-                </a:cubicBezTo>
-                <a:cubicBezTo>
-                  <a:pt x="239" y="144"/>
-                  <a:pt x="234" y="146"/>
-                  <a:pt x="227" y="147"/>
-                </a:cubicBezTo>
-                <a:cubicBezTo>
-                  <a:pt x="221" y="149"/>
-                  <a:pt x="207" y="150"/>
-                  <a:pt x="187" y="151"/>
-                </a:cubicBezTo>
-                <a:cubicBezTo>
-                  <a:pt x="175" y="152"/>
-                  <a:pt x="161" y="148"/>
-                  <a:pt x="160" y="148"/>
-                </a:cubicBezTo>
-                <a:cubicBezTo>
-                  <a:pt x="161" y="151"/>
-                  <a:pt x="165" y="161"/>
-                  <a:pt x="168" y="168"/>
-                </a:cubicBezTo>
-                <a:cubicBezTo>
-                  <a:pt x="168" y="171"/>
-                  <a:pt x="173" y="181"/>
-                  <a:pt x="176" y="194"/>
-                </a:cubicBezTo>
-                <a:cubicBezTo>
-                  <a:pt x="179" y="206"/>
-                  <a:pt x="176" y="203"/>
-                  <a:pt x="176" y="211"/>
-                </a:cubicBezTo>
-                <a:cubicBezTo>
-                  <a:pt x="176" y="214"/>
-                  <a:pt x="174" y="217"/>
-                  <a:pt x="170" y="221"/>
-                </a:cubicBezTo>
-                <a:cubicBezTo>
-                  <a:pt x="166" y="226"/>
-                  <a:pt x="161" y="228"/>
-                  <a:pt x="156" y="230"/>
-                </a:cubicBezTo>
-                <a:cubicBezTo>
-                  <a:pt x="147" y="234"/>
-                  <a:pt x="137" y="233"/>
-                  <a:pt x="130" y="226"/>
-                </a:cubicBezTo>
-                <a:cubicBezTo>
-                  <a:pt x="127" y="223"/>
-                  <a:pt x="125" y="219"/>
-                  <a:pt x="122" y="213"/>
-                </a:cubicBezTo>
-                <a:cubicBezTo>
-                  <a:pt x="118" y="188"/>
-                  <a:pt x="117" y="189"/>
-                  <a:pt x="110" y="169"/>
-                </a:cubicBezTo>
-                <a:cubicBezTo>
-                  <a:pt x="92" y="192"/>
-                  <a:pt x="92" y="192"/>
-                  <a:pt x="92" y="192"/>
-                </a:cubicBezTo>
-                <a:cubicBezTo>
-                  <a:pt x="90" y="193"/>
-                  <a:pt x="88" y="195"/>
-                  <a:pt x="87" y="197"/>
-                </a:cubicBezTo>
-                <a:cubicBezTo>
-                  <a:pt x="86" y="198"/>
-                  <a:pt x="85" y="200"/>
-                  <a:pt x="84" y="201"/>
-                </a:cubicBezTo>
-                <a:cubicBezTo>
-                  <a:pt x="76" y="209"/>
-                  <a:pt x="70" y="212"/>
-                  <a:pt x="65" y="212"/>
-                </a:cubicBezTo>
-                <a:cubicBezTo>
-                  <a:pt x="60" y="211"/>
-                  <a:pt x="55" y="209"/>
-                  <a:pt x="50" y="204"/>
-                </a:cubicBezTo>
-                <a:cubicBezTo>
-                  <a:pt x="50" y="203"/>
-                  <a:pt x="48" y="202"/>
-                  <a:pt x="44" y="198"/>
-                </a:cubicBezTo>
-                <a:cubicBezTo>
-                  <a:pt x="41" y="195"/>
-                  <a:pt x="39" y="191"/>
-                  <a:pt x="38" y="185"/>
-                </a:cubicBezTo>
-                <a:cubicBezTo>
-                  <a:pt x="37" y="179"/>
-                  <a:pt x="39" y="173"/>
-                  <a:pt x="43" y="167"/>
-                </a:cubicBezTo>
-                <a:close/>
-              </a:path>
-            </a:pathLst>
-          </a:custGeom>
-          <a:solidFill>
-            <a:schemeClr val="accent1"/>
-          </a:solidFill>
-          <a:ln>
-            <a:noFill/>
-          </a:ln>
-        </p:spPr>
-        <p:txBody>
-          <a:bodyPr vert="horz" wrap="square" lIns="91440" tIns="45720" rIns="91440" bIns="45720" numCol="1" anchor="t" anchorCtr="0" compatLnSpc="1">
-            <a:prstTxWarp prst="textNoShape">
-              <a:avLst/>
-            </a:prstTxWarp>
-          </a:bodyPr>
-          <a:lstStyle/>
-          <a:p>
-            <a:endParaRPr lang="en-US"/>
-          </a:p>
-        </p:txBody>
-      </p:sp>
-    </p:spTree>
-    <p:extLst>
-      <p:ext uri="{BB962C8B-B14F-4D97-AF65-F5344CB8AC3E}">
-        <p14:creationId xmlns:p14="http://schemas.microsoft.com/office/powerpoint/2010/main" val="1453551500"/>
-      </p:ext>
-    </p:extLst>
-  </p:cSld>
-  <p:clrMapOvr>
-    <a:masterClrMapping/>
-  </p:clrMapOvr>
-  <mc:AlternateContent xmlns:mc="http://schemas.openxmlformats.org/markup-compatibility/2006">
-    <mc:Choice xmlns:p14="http://schemas.microsoft.com/office/powerpoint/2010/main" Requires="p14">
-      <p:transition spd="med" p14:dur="700">
-        <p:fade/>
-      </p:transition>
-    </mc:Choice>
-    <mc:Fallback>
-      <p:transition spd="med">
-        <p:fade/>
-      </p:transition>
-    </mc:Fallback>
-  </mc:AlternateContent>
-</p:sld>
-</file>
-
-<file path=ppt/slides/slide6.xml><?xml version="1.0" encoding="utf-8"?>
-<p:sld xmlns:a="http://schemas.openxmlformats.org/drawingml/2006/main" xmlns:r="http://schemas.openxmlformats.org/officeDocument/2006/relationships" xmlns:p="http://schemas.openxmlformats.org/presentationml/2006/main">
-  <p:cSld>
-    <p:spTree>
-      <p:nvGrpSpPr>
-        <p:cNvPr id="1" name=""/>
-        <p:cNvGrpSpPr/>
-        <p:nvPr/>
-      </p:nvGrpSpPr>
-      <p:grpSpPr>
-        <a:xfrm>
-          <a:off x="0" y="0"/>
-          <a:ext cx="0" cy="0"/>
-          <a:chOff x="0" y="0"/>
-          <a:chExt cx="0" cy="0"/>
-        </a:xfrm>
-      </p:grpSpPr>
-      <p:sp>
-        <p:nvSpPr>
-          <p:cNvPr id="2" name="Nadpis 1">
-            <a:extLst>
-              <a:ext uri="{FF2B5EF4-FFF2-40B4-BE49-F238E27FC236}">
-                <a16:creationId xmlns:a16="http://schemas.microsoft.com/office/drawing/2014/main" id="{5DCA3F63-1B48-9903-79E3-F7CE6B8F5D90}"/>
-              </a:ext>
-            </a:extLst>
-          </p:cNvPr>
-          <p:cNvSpPr>
-            <a:spLocks noGrp="1"/>
-          </p:cNvSpPr>
-          <p:nvPr>
-            <p:ph type="title"/>
-          </p:nvPr>
-        </p:nvSpPr>
-        <p:spPr/>
-        <p:txBody>
-          <a:bodyPr/>
-          <a:lstStyle/>
-          <a:p>
-            <a:r>
-              <a:rPr lang="sk-SK" dirty="0" err="1">
-                <a:latin typeface="Agency FB" panose="020B0503020202020204" pitchFamily="34" charset="0"/>
-              </a:rPr>
-              <a:t>Komedická</a:t>
-            </a:r>
-            <a:r>
-              <a:rPr lang="sk-SK" dirty="0">
-                <a:latin typeface="Agency FB" panose="020B0503020202020204" pitchFamily="34" charset="0"/>
-              </a:rPr>
-              <a:t> vsuvka na záver</a:t>
-            </a:r>
-          </a:p>
-        </p:txBody>
-      </p:sp>
-      <p:pic>
-        <p:nvPicPr>
-          <p:cNvPr id="1026" name="Picture 2" descr="Rust-has-got-new-slogan">
-            <a:extLst>
-              <a:ext uri="{FF2B5EF4-FFF2-40B4-BE49-F238E27FC236}">
-                <a16:creationId xmlns:a16="http://schemas.microsoft.com/office/drawing/2014/main" id="{65A92185-C6A8-47B8-4C0A-EB916673CD67}"/>
-              </a:ext>
-            </a:extLst>
-          </p:cNvPr>
-          <p:cNvPicPr>
-            <a:picLocks noGrp="1" noChangeAspect="1" noChangeArrowheads="1"/>
-          </p:cNvPicPr>
-          <p:nvPr>
-            <p:ph idx="1"/>
-          </p:nvPr>
-        </p:nvPicPr>
-        <p:blipFill>
-          <a:blip r:embed="rId2">
-            <a:extLst>
-              <a:ext uri="{28A0092B-C50C-407E-A947-70E740481C1C}">
-                <a14:useLocalDpi xmlns:a14="http://schemas.microsoft.com/office/drawing/2010/main" val="0"/>
-              </a:ext>
-            </a:extLst>
-          </a:blip>
-          <a:srcRect/>
-          <a:stretch>
-            <a:fillRect/>
-          </a:stretch>
-        </p:blipFill>
-        <p:spPr bwMode="auto">
-          <a:xfrm>
-            <a:off x="2074268" y="1314715"/>
-            <a:ext cx="8043464" cy="5362310"/>
-          </a:xfrm>
-          <a:prstGeom prst="rect">
-            <a:avLst/>
-          </a:prstGeom>
-          <a:noFill/>
-          <a:extLst>
-            <a:ext uri="{909E8E84-426E-40DD-AFC4-6F175D3DCCD1}">
-              <a14:hiddenFill xmlns:a14="http://schemas.microsoft.com/office/drawing/2010/main">
-                <a:solidFill>
-                  <a:srgbClr val="FFFFFF"/>
-                </a:solidFill>
-              </a14:hiddenFill>
-            </a:ext>
-          </a:extLst>
-        </p:spPr>
-      </p:pic>
-    </p:spTree>
-    <p:extLst>
-      <p:ext uri="{BB962C8B-B14F-4D97-AF65-F5344CB8AC3E}">
-        <p14:creationId xmlns:p14="http://schemas.microsoft.com/office/powerpoint/2010/main" val="2770764193"/>
-      </p:ext>
-    </p:extLst>
-  </p:cSld>
-  <p:clrMapOvr>
-    <a:masterClrMapping/>
-  </p:clrMapOvr>
-  <mc:AlternateContent xmlns:mc="http://schemas.openxmlformats.org/markup-compatibility/2006">
-    <mc:Choice xmlns:p14="http://schemas.microsoft.com/office/powerpoint/2010/main" Requires="p14">
-      <p:transition spd="med" p14:dur="700">
-        <p:fade/>
-      </p:transition>
-    </mc:Choice>
-    <mc:Fallback>
-      <p:transition spd="med">
-        <p:fade/>
-      </p:transition>
-    </mc:Fallback>
-  </mc:AlternateContent>
-</p:sld>
-</file>
-
-<file path=ppt/slides/slide7.xml><?xml version="1.0" encoding="utf-8"?>
-<p:sld xmlns:a="http://schemas.openxmlformats.org/drawingml/2006/main" xmlns:r="http://schemas.openxmlformats.org/officeDocument/2006/relationships" xmlns:p="http://schemas.openxmlformats.org/presentationml/2006/main">
-  <p:cSld>
-    <p:bg>
-      <p:bgPr>
-        <a:solidFill>
-          <a:schemeClr val="bg2"/>
-        </a:solidFill>
-        <a:effectLst/>
-      </p:bgPr>
-    </p:bg>
-    <p:spTree>
-      <p:nvGrpSpPr>
-        <p:cNvPr id="1" name=""/>
-        <p:cNvGrpSpPr/>
-        <p:nvPr/>
-      </p:nvGrpSpPr>
-      <p:grpSpPr>
-        <a:xfrm>
-          <a:off x="0" y="0"/>
-          <a:ext cx="0" cy="0"/>
-          <a:chOff x="0" y="0"/>
-          <a:chExt cx="0" cy="0"/>
-        </a:xfrm>
-      </p:grpSpPr>
-      <p:sp>
-        <p:nvSpPr>
-          <p:cNvPr id="23" name="Rectangle 22">
-            <a:extLst>
-              <a:ext uri="{FF2B5EF4-FFF2-40B4-BE49-F238E27FC236}">
-                <a16:creationId xmlns:a16="http://schemas.microsoft.com/office/drawing/2014/main" id="{09646535-AEF6-4883-A4F9-EEC1F8B4319E}"/>
-              </a:ext>
-              <a:ext uri="{C183D7F6-B498-43B3-948B-1728B52AA6E4}">
-                <adec:decorative xmlns:adec="http://schemas.microsoft.com/office/drawing/2017/decorative" val="1"/>
-              </a:ext>
-            </a:extLst>
-          </p:cNvPr>
-          <p:cNvSpPr>
-            <a:spLocks noGrp="1" noRot="1" noChangeAspect="1" noMove="1" noResize="1" noEditPoints="1" noAdjustHandles="1" noChangeArrowheads="1" noChangeShapeType="1" noTextEdit="1"/>
-          </p:cNvSpPr>
-          <p:nvPr>
-            <p:extLst>
-              <p:ext uri="{386F3935-93C4-4BCD-93E2-E3B085C9AB24}">
-                <p16:designElem xmlns:p16="http://schemas.microsoft.com/office/powerpoint/2015/main" val="1"/>
-              </p:ext>
-            </p:extLst>
-          </p:nvPr>
-        </p:nvSpPr>
-        <p:spPr>
-          <a:xfrm>
-            <a:off x="0" y="0"/>
-            <a:ext cx="12192000" cy="6858000"/>
-          </a:xfrm>
-          <a:prstGeom prst="rect">
-            <a:avLst/>
-          </a:prstGeom>
-          <a:solidFill>
-            <a:schemeClr val="bg2">
-              <a:lumMod val="90000"/>
-              <a:lumOff val="10000"/>
-            </a:schemeClr>
-          </a:solidFill>
-          <a:ln w="12700" cap="flat" cmpd="sng" algn="ctr">
-            <a:noFill/>
-            <a:prstDash val="solid"/>
-            <a:miter lim="800000"/>
-          </a:ln>
-          <a:effectLst/>
-        </p:spPr>
-        <p:style>
-          <a:lnRef idx="2">
-            <a:schemeClr val="accent1">
-              <a:shade val="50000"/>
-            </a:schemeClr>
-          </a:lnRef>
-          <a:fillRef idx="1">
-            <a:schemeClr val="accent1"/>
-          </a:fillRef>
-          <a:effectRef idx="0">
-            <a:schemeClr val="accent1"/>
-          </a:effectRef>
-          <a:fontRef idx="minor">
-            <a:schemeClr val="lt1"/>
-          </a:fontRef>
-        </p:style>
-        <p:txBody>
-          <a:bodyPr rtlCol="0" anchor="ctr"/>
-          <a:lstStyle/>
-          <a:p>
-            <a:pPr algn="ctr"/>
-            <a:endParaRPr lang="en-US"/>
-          </a:p>
-        </p:txBody>
-      </p:sp>
-      <p:sp>
-        <p:nvSpPr>
-          <p:cNvPr id="25" name="Rectangle 24">
-            <a:extLst>
-              <a:ext uri="{FF2B5EF4-FFF2-40B4-BE49-F238E27FC236}">
-                <a16:creationId xmlns:a16="http://schemas.microsoft.com/office/drawing/2014/main" id="{DB7EFF05-A8DA-4B3E-9C21-7A04283D4852}"/>
-              </a:ext>
-              <a:ext uri="{C183D7F6-B498-43B3-948B-1728B52AA6E4}">
-                <adec:decorative xmlns:adec="http://schemas.microsoft.com/office/drawing/2017/decorative" val="1"/>
-              </a:ext>
-            </a:extLst>
-          </p:cNvPr>
-          <p:cNvSpPr>
-            <a:spLocks noGrp="1" noRot="1" noChangeAspect="1" noMove="1" noResize="1" noEditPoints="1" noAdjustHandles="1" noChangeArrowheads="1" noChangeShapeType="1" noTextEdit="1"/>
-          </p:cNvSpPr>
-          <p:nvPr>
-            <p:extLst>
-              <p:ext uri="{386F3935-93C4-4BCD-93E2-E3B085C9AB24}">
-                <p16:designElem xmlns:p16="http://schemas.microsoft.com/office/powerpoint/2015/main" val="1"/>
-              </p:ext>
-            </p:extLst>
-          </p:nvPr>
-        </p:nvSpPr>
-        <p:spPr>
-          <a:xfrm>
-            <a:off x="0" y="0"/>
-            <a:ext cx="12192000" cy="6858000"/>
-          </a:xfrm>
-          <a:prstGeom prst="rect">
-            <a:avLst/>
-          </a:prstGeom>
-          <a:solidFill>
-            <a:schemeClr val="bg2">
-              <a:lumMod val="90000"/>
-              <a:lumOff val="10000"/>
-            </a:schemeClr>
-          </a:solidFill>
-          <a:ln w="12700" cap="flat" cmpd="sng" algn="ctr">
-            <a:noFill/>
-            <a:prstDash val="solid"/>
-            <a:miter lim="800000"/>
-          </a:ln>
-          <a:effectLst/>
-        </p:spPr>
-        <p:style>
-          <a:lnRef idx="2">
-            <a:schemeClr val="accent1">
-              <a:shade val="50000"/>
-            </a:schemeClr>
-          </a:lnRef>
-          <a:fillRef idx="1">
-            <a:schemeClr val="accent1"/>
-          </a:fillRef>
-          <a:effectRef idx="0">
-            <a:schemeClr val="accent1"/>
-          </a:effectRef>
-          <a:fontRef idx="minor">
-            <a:schemeClr val="lt1"/>
-          </a:fontRef>
-        </p:style>
-        <p:txBody>
-          <a:bodyPr rtlCol="0" anchor="ctr"/>
-          <a:lstStyle/>
-          <a:p>
-            <a:pPr algn="ctr"/>
-            <a:endParaRPr lang="en-US"/>
-          </a:p>
-        </p:txBody>
-      </p:sp>
-      <p:sp useBgFill="1">
-        <p:nvSpPr>
-          <p:cNvPr id="27" name="Rectangle 26">
-            <a:extLst>
-              <a:ext uri="{FF2B5EF4-FFF2-40B4-BE49-F238E27FC236}">
-                <a16:creationId xmlns:a16="http://schemas.microsoft.com/office/drawing/2014/main" id="{D690F001-2D75-4EFE-805F-3E6954B7565B}"/>
-              </a:ext>
-              <a:ext uri="{C183D7F6-B498-43B3-948B-1728B52AA6E4}">
-                <adec:decorative xmlns:adec="http://schemas.microsoft.com/office/drawing/2017/decorative" val="1"/>
-              </a:ext>
-            </a:extLst>
-          </p:cNvPr>
-          <p:cNvSpPr>
-            <a:spLocks noGrp="1" noRot="1" noChangeAspect="1" noMove="1" noResize="1" noEditPoints="1" noAdjustHandles="1" noChangeArrowheads="1" noChangeShapeType="1" noTextEdit="1"/>
-          </p:cNvSpPr>
-          <p:nvPr>
-            <p:extLst>
-              <p:ext uri="{386F3935-93C4-4BCD-93E2-E3B085C9AB24}">
-                <p16:designElem xmlns:p16="http://schemas.microsoft.com/office/powerpoint/2015/main" val="1"/>
-              </p:ext>
-            </p:extLst>
-          </p:nvPr>
-        </p:nvSpPr>
-        <p:spPr>
-          <a:xfrm>
-            <a:off x="0" y="0"/>
-            <a:ext cx="12192000" cy="6858000"/>
-          </a:xfrm>
-          <a:prstGeom prst="rect">
-            <a:avLst/>
-          </a:prstGeom>
-          <a:ln w="12700" cap="flat" cmpd="sng" algn="ctr">
-            <a:noFill/>
-            <a:prstDash val="solid"/>
-            <a:miter lim="800000"/>
-          </a:ln>
-          <a:effectLst/>
-        </p:spPr>
-        <p:style>
-          <a:lnRef idx="2">
-            <a:schemeClr val="accent1">
-              <a:shade val="50000"/>
-            </a:schemeClr>
-          </a:lnRef>
-          <a:fillRef idx="1">
-            <a:schemeClr val="accent1"/>
-          </a:fillRef>
-          <a:effectRef idx="0">
-            <a:schemeClr val="accent1"/>
-          </a:effectRef>
-          <a:fontRef idx="minor">
-            <a:schemeClr val="lt1"/>
-          </a:fontRef>
-        </p:style>
-        <p:txBody>
-          <a:bodyPr rtlCol="0" anchor="ctr"/>
-          <a:lstStyle/>
-          <a:p>
-            <a:pPr algn="ctr"/>
-            <a:endParaRPr lang="en-US"/>
-          </a:p>
-        </p:txBody>
-      </p:sp>
-      <p:sp>
-        <p:nvSpPr>
-          <p:cNvPr id="29" name="Rectangle 28">
-            <a:extLst>
-              <a:ext uri="{FF2B5EF4-FFF2-40B4-BE49-F238E27FC236}">
-                <a16:creationId xmlns:a16="http://schemas.microsoft.com/office/drawing/2014/main" id="{8C6F7DA8-FD92-4ACF-9932-BF007E32A609}"/>
-              </a:ext>
-              <a:ext uri="{C183D7F6-B498-43B3-948B-1728B52AA6E4}">
-                <adec:decorative xmlns:adec="http://schemas.microsoft.com/office/drawing/2017/decorative" val="1"/>
-              </a:ext>
-            </a:extLst>
-          </p:cNvPr>
-          <p:cNvSpPr>
-            <a:spLocks noGrp="1" noRot="1" noChangeAspect="1" noMove="1" noResize="1" noEditPoints="1" noAdjustHandles="1" noChangeArrowheads="1" noChangeShapeType="1" noTextEdit="1"/>
-          </p:cNvSpPr>
-          <p:nvPr>
-            <p:extLst>
-              <p:ext uri="{386F3935-93C4-4BCD-93E2-E3B085C9AB24}">
-                <p16:designElem xmlns:p16="http://schemas.microsoft.com/office/powerpoint/2015/main" val="1"/>
-              </p:ext>
-            </p:extLst>
-          </p:nvPr>
-        </p:nvSpPr>
-        <p:spPr>
-          <a:xfrm>
-            <a:off x="0" y="0"/>
-            <a:ext cx="12192000" cy="6858000"/>
-          </a:xfrm>
-          <a:prstGeom prst="rect">
-            <a:avLst/>
-          </a:prstGeom>
-          <a:solidFill>
-            <a:schemeClr val="bg2">
-              <a:lumMod val="90000"/>
-              <a:lumOff val="10000"/>
-            </a:schemeClr>
-          </a:solidFill>
-          <a:ln w="12700" cap="flat" cmpd="sng" algn="ctr">
-            <a:noFill/>
-            <a:prstDash val="solid"/>
-            <a:miter lim="800000"/>
-          </a:ln>
-          <a:effectLst/>
-        </p:spPr>
-        <p:style>
-          <a:lnRef idx="2">
-            <a:schemeClr val="accent1">
-              <a:shade val="50000"/>
-            </a:schemeClr>
-          </a:lnRef>
-          <a:fillRef idx="1">
-            <a:schemeClr val="accent1"/>
-          </a:fillRef>
-          <a:effectRef idx="0">
-            <a:schemeClr val="accent1"/>
-          </a:effectRef>
-          <a:fontRef idx="minor">
-            <a:schemeClr val="lt1"/>
-          </a:fontRef>
-        </p:style>
-        <p:txBody>
-          <a:bodyPr rtlCol="0" anchor="ctr"/>
-          <a:lstStyle/>
-          <a:p>
-            <a:pPr algn="ctr"/>
-            <a:endParaRPr lang="en-US"/>
-          </a:p>
-        </p:txBody>
-      </p:sp>
-      <p:sp useBgFill="1">
-        <p:nvSpPr>
-          <p:cNvPr id="31" name="Freeform: Shape 30">
-            <a:extLst>
-              <a:ext uri="{FF2B5EF4-FFF2-40B4-BE49-F238E27FC236}">
-                <a16:creationId xmlns:a16="http://schemas.microsoft.com/office/drawing/2014/main" id="{4F76F7D6-E5D2-44FA-B1FA-A1A61DF18E88}"/>
-              </a:ext>
-              <a:ext uri="{C183D7F6-B498-43B3-948B-1728B52AA6E4}">
-                <adec:decorative xmlns:adec="http://schemas.microsoft.com/office/drawing/2017/decorative" val="1"/>
-              </a:ext>
-            </a:extLst>
-          </p:cNvPr>
-          <p:cNvSpPr>
-            <a:spLocks noGrp="1" noRot="1" noChangeAspect="1" noMove="1" noResize="1" noEditPoints="1" noAdjustHandles="1" noChangeArrowheads="1" noChangeShapeType="1" noTextEdit="1"/>
-          </p:cNvSpPr>
-          <p:nvPr>
-            <p:extLst>
-              <p:ext uri="{386F3935-93C4-4BCD-93E2-E3B085C9AB24}">
-                <p16:designElem xmlns:p16="http://schemas.microsoft.com/office/powerpoint/2015/main" val="1"/>
-              </p:ext>
-            </p:extLst>
-          </p:nvPr>
-        </p:nvSpPr>
-        <p:spPr bwMode="auto">
-          <a:xfrm>
-            <a:off x="0" y="0"/>
-            <a:ext cx="10554709" cy="6858000"/>
-          </a:xfrm>
-          <a:custGeom>
-            <a:avLst/>
-            <a:gdLst>
-              <a:gd name="connsiteX0" fmla="*/ 678080 w 10554709"/>
-              <a:gd name="connsiteY0" fmla="*/ 0 h 6858000"/>
-              <a:gd name="connsiteX1" fmla="*/ 8939948 w 10554709"/>
-              <a:gd name="connsiteY1" fmla="*/ 0 h 6858000"/>
-              <a:gd name="connsiteX2" fmla="*/ 9088366 w 10554709"/>
-              <a:gd name="connsiteY2" fmla="*/ 139640 h 6858000"/>
-              <a:gd name="connsiteX3" fmla="*/ 10554709 w 10554709"/>
-              <a:gd name="connsiteY3" fmla="*/ 3680162 h 6858000"/>
-              <a:gd name="connsiteX4" fmla="*/ 9852869 w 10554709"/>
-              <a:gd name="connsiteY4" fmla="*/ 6618597 h 6858000"/>
-              <a:gd name="connsiteX5" fmla="*/ 9732509 w 10554709"/>
-              <a:gd name="connsiteY5" fmla="*/ 6858000 h 6858000"/>
-              <a:gd name="connsiteX6" fmla="*/ 0 w 10554709"/>
-              <a:gd name="connsiteY6" fmla="*/ 6858000 h 6858000"/>
-              <a:gd name="connsiteX7" fmla="*/ 0 w 10554709"/>
-              <a:gd name="connsiteY7" fmla="*/ 893015 h 6858000"/>
-              <a:gd name="connsiteX8" fmla="*/ 32877 w 10554709"/>
-              <a:gd name="connsiteY8" fmla="*/ 837948 h 6858000"/>
-              <a:gd name="connsiteX9" fmla="*/ 408715 w 10554709"/>
-              <a:gd name="connsiteY9" fmla="*/ 307706 h 6858000"/>
-            </a:gdLst>
-            <a:ahLst/>
-            <a:cxnLst>
-              <a:cxn ang="0">
-                <a:pos x="connsiteX0" y="connsiteY0"/>
-              </a:cxn>
-              <a:cxn ang="0">
-                <a:pos x="connsiteX1" y="connsiteY1"/>
-              </a:cxn>
-              <a:cxn ang="0">
-                <a:pos x="connsiteX2" y="connsiteY2"/>
-              </a:cxn>
-              <a:cxn ang="0">
-                <a:pos x="connsiteX3" y="connsiteY3"/>
-              </a:cxn>
-              <a:cxn ang="0">
-                <a:pos x="connsiteX4" y="connsiteY4"/>
-              </a:cxn>
-              <a:cxn ang="0">
-                <a:pos x="connsiteX5" y="connsiteY5"/>
-              </a:cxn>
-              <a:cxn ang="0">
-                <a:pos x="connsiteX6" y="connsiteY6"/>
-              </a:cxn>
-              <a:cxn ang="0">
-                <a:pos x="connsiteX7" y="connsiteY7"/>
-              </a:cxn>
-              <a:cxn ang="0">
-                <a:pos x="connsiteX8" y="connsiteY8"/>
-              </a:cxn>
-              <a:cxn ang="0">
-                <a:pos x="connsiteX9" y="connsiteY9"/>
-              </a:cxn>
-            </a:cxnLst>
-            <a:rect l="l" t="t" r="r" b="b"/>
-            <a:pathLst>
-              <a:path w="10554709" h="6858000">
-                <a:moveTo>
-                  <a:pt x="678080" y="0"/>
-                </a:moveTo>
-                <a:lnTo>
-                  <a:pt x="8939948" y="0"/>
-                </a:lnTo>
-                <a:lnTo>
-                  <a:pt x="9088366" y="139640"/>
-                </a:lnTo>
-                <a:cubicBezTo>
-                  <a:pt x="10103527" y="1150771"/>
-                  <a:pt x="10554709" y="2302771"/>
-                  <a:pt x="10554709" y="3680162"/>
-                </a:cubicBezTo>
-                <a:cubicBezTo>
-                  <a:pt x="10554709" y="4782075"/>
-                  <a:pt x="10354183" y="5717032"/>
-                  <a:pt x="9852869" y="6618597"/>
-                </a:cubicBezTo>
-                <a:lnTo>
-                  <a:pt x="9732509" y="6858000"/>
-                </a:lnTo>
-                <a:lnTo>
-                  <a:pt x="0" y="6858000"/>
-                </a:lnTo>
-                <a:lnTo>
-                  <a:pt x="0" y="893015"/>
-                </a:lnTo>
-                <a:lnTo>
-                  <a:pt x="32877" y="837948"/>
-                </a:lnTo>
-                <a:cubicBezTo>
-                  <a:pt x="149932" y="650048"/>
-                  <a:pt x="274183" y="474695"/>
-                  <a:pt x="408715" y="307706"/>
-                </a:cubicBezTo>
-                <a:close/>
-              </a:path>
-            </a:pathLst>
-          </a:custGeom>
-          <a:ln>
-            <a:noFill/>
-          </a:ln>
-        </p:spPr>
-        <p:txBody>
-          <a:bodyPr vert="horz" wrap="square" lIns="91440" tIns="45720" rIns="91440" bIns="45720" numCol="1" anchor="t" anchorCtr="0" compatLnSpc="1">
-            <a:prstTxWarp prst="textNoShape">
-              <a:avLst/>
-            </a:prstTxWarp>
-            <a:noAutofit/>
-          </a:bodyPr>
-          <a:lstStyle/>
-          <a:p>
-            <a:endParaRPr lang="en-US"/>
-          </a:p>
-        </p:txBody>
-      </p:sp>
-      <p:sp>
-        <p:nvSpPr>
-          <p:cNvPr id="2" name="Nadpis 1">
-            <a:extLst>
-              <a:ext uri="{FF2B5EF4-FFF2-40B4-BE49-F238E27FC236}">
-                <a16:creationId xmlns:a16="http://schemas.microsoft.com/office/drawing/2014/main" id="{E803BDA2-B111-76B7-3B81-705B3256E506}"/>
-              </a:ext>
-            </a:extLst>
-          </p:cNvPr>
-          <p:cNvSpPr>
-            <a:spLocks noGrp="1"/>
-          </p:cNvSpPr>
-          <p:nvPr>
-            <p:ph type="title"/>
-          </p:nvPr>
-        </p:nvSpPr>
-        <p:spPr>
-          <a:xfrm>
-            <a:off x="720000" y="720000"/>
-            <a:ext cx="6911974" cy="2803071"/>
-          </a:xfrm>
-        </p:spPr>
-        <p:txBody>
-          <a:bodyPr vert="horz" wrap="square" lIns="0" tIns="0" rIns="0" bIns="0" rtlCol="0" anchor="b" anchorCtr="0">
-            <a:normAutofit/>
-          </a:bodyPr>
-          <a:lstStyle/>
-          <a:p>
-            <a:pPr algn="ctr">
-              <a:lnSpc>
-                <a:spcPct val="100000"/>
-              </a:lnSpc>
-            </a:pPr>
-            <a:r>
-              <a:rPr lang="en-US" sz="5600" spc="-100"/>
-              <a:t>Ďakujeme za pozornosť</a:t>
-            </a:r>
-          </a:p>
-        </p:txBody>
-      </p:sp>
-      <p:sp>
-        <p:nvSpPr>
-          <p:cNvPr id="33" name="Freeform 10">
-            <a:extLst>
-              <a:ext uri="{FF2B5EF4-FFF2-40B4-BE49-F238E27FC236}">
-                <a16:creationId xmlns:a16="http://schemas.microsoft.com/office/drawing/2014/main" id="{671E2FB4-7344-4400-973C-C4E1D46C1566}"/>
-              </a:ext>
-              <a:ext uri="{C183D7F6-B498-43B3-948B-1728B52AA6E4}">
-                <adec:decorative xmlns:adec="http://schemas.microsoft.com/office/drawing/2017/decorative" val="1"/>
-              </a:ext>
-            </a:extLst>
-          </p:cNvPr>
-          <p:cNvSpPr>
-            <a:spLocks noGrp="1" noRot="1" noChangeAspect="1" noMove="1" noResize="1" noEditPoints="1" noAdjustHandles="1" noChangeArrowheads="1" noChangeShapeType="1" noTextEdit="1"/>
-          </p:cNvSpPr>
-          <p:nvPr>
-            <p:extLst>
-              <p:ext uri="{386F3935-93C4-4BCD-93E2-E3B085C9AB24}">
-                <p16:designElem xmlns:p16="http://schemas.microsoft.com/office/powerpoint/2015/main" val="1"/>
-              </p:ext>
-            </p:extLst>
-          </p:nvPr>
-        </p:nvSpPr>
-        <p:spPr bwMode="auto">
-          <a:xfrm rot="4500000">
-            <a:off x="9006897" y="392628"/>
-            <a:ext cx="3095625" cy="2897543"/>
-          </a:xfrm>
-          <a:custGeom>
-            <a:avLst/>
-            <a:gdLst>
-              <a:gd name="T0" fmla="*/ 43 w 250"/>
-              <a:gd name="T1" fmla="*/ 167 h 234"/>
-              <a:gd name="T2" fmla="*/ 70 w 250"/>
-              <a:gd name="T3" fmla="*/ 133 h 234"/>
-              <a:gd name="T4" fmla="*/ 48 w 250"/>
-              <a:gd name="T5" fmla="*/ 134 h 234"/>
-              <a:gd name="T6" fmla="*/ 19 w 250"/>
-              <a:gd name="T7" fmla="*/ 130 h 234"/>
-              <a:gd name="T8" fmla="*/ 6 w 250"/>
-              <a:gd name="T9" fmla="*/ 123 h 234"/>
-              <a:gd name="T10" fmla="*/ 1 w 250"/>
-              <a:gd name="T11" fmla="*/ 103 h 234"/>
-              <a:gd name="T12" fmla="*/ 11 w 250"/>
-              <a:gd name="T13" fmla="*/ 81 h 234"/>
-              <a:gd name="T14" fmla="*/ 23 w 250"/>
-              <a:gd name="T15" fmla="*/ 76 h 234"/>
-              <a:gd name="T16" fmla="*/ 81 w 250"/>
-              <a:gd name="T17" fmla="*/ 78 h 234"/>
-              <a:gd name="T18" fmla="*/ 65 w 250"/>
-              <a:gd name="T19" fmla="*/ 49 h 234"/>
-              <a:gd name="T20" fmla="*/ 57 w 250"/>
-              <a:gd name="T21" fmla="*/ 27 h 234"/>
-              <a:gd name="T22" fmla="*/ 67 w 250"/>
-              <a:gd name="T23" fmla="*/ 12 h 234"/>
-              <a:gd name="T24" fmla="*/ 85 w 250"/>
-              <a:gd name="T25" fmla="*/ 1 h 234"/>
-              <a:gd name="T26" fmla="*/ 101 w 250"/>
-              <a:gd name="T27" fmla="*/ 8 h 234"/>
-              <a:gd name="T28" fmla="*/ 107 w 250"/>
-              <a:gd name="T29" fmla="*/ 15 h 234"/>
-              <a:gd name="T30" fmla="*/ 120 w 250"/>
-              <a:gd name="T31" fmla="*/ 37 h 234"/>
-              <a:gd name="T32" fmla="*/ 131 w 250"/>
-              <a:gd name="T33" fmla="*/ 60 h 234"/>
-              <a:gd name="T34" fmla="*/ 164 w 250"/>
-              <a:gd name="T35" fmla="*/ 25 h 234"/>
-              <a:gd name="T36" fmla="*/ 187 w 250"/>
-              <a:gd name="T37" fmla="*/ 11 h 234"/>
-              <a:gd name="T38" fmla="*/ 205 w 250"/>
-              <a:gd name="T39" fmla="*/ 19 h 234"/>
-              <a:gd name="T40" fmla="*/ 214 w 250"/>
-              <a:gd name="T41" fmla="*/ 34 h 234"/>
-              <a:gd name="T42" fmla="*/ 203 w 250"/>
-              <a:gd name="T43" fmla="*/ 57 h 234"/>
-              <a:gd name="T44" fmla="*/ 166 w 250"/>
-              <a:gd name="T45" fmla="*/ 100 h 234"/>
-              <a:gd name="T46" fmla="*/ 217 w 250"/>
-              <a:gd name="T47" fmla="*/ 98 h 234"/>
-              <a:gd name="T48" fmla="*/ 244 w 250"/>
-              <a:gd name="T49" fmla="*/ 104 h 234"/>
-              <a:gd name="T50" fmla="*/ 249 w 250"/>
-              <a:gd name="T51" fmla="*/ 115 h 234"/>
-              <a:gd name="T52" fmla="*/ 247 w 250"/>
-              <a:gd name="T53" fmla="*/ 129 h 234"/>
-              <a:gd name="T54" fmla="*/ 245 w 250"/>
-              <a:gd name="T55" fmla="*/ 134 h 234"/>
-              <a:gd name="T56" fmla="*/ 241 w 250"/>
-              <a:gd name="T57" fmla="*/ 141 h 234"/>
-              <a:gd name="T58" fmla="*/ 227 w 250"/>
-              <a:gd name="T59" fmla="*/ 147 h 234"/>
-              <a:gd name="T60" fmla="*/ 187 w 250"/>
-              <a:gd name="T61" fmla="*/ 151 h 234"/>
-              <a:gd name="T62" fmla="*/ 160 w 250"/>
-              <a:gd name="T63" fmla="*/ 148 h 234"/>
-              <a:gd name="T64" fmla="*/ 168 w 250"/>
-              <a:gd name="T65" fmla="*/ 168 h 234"/>
-              <a:gd name="T66" fmla="*/ 176 w 250"/>
-              <a:gd name="T67" fmla="*/ 194 h 234"/>
-              <a:gd name="T68" fmla="*/ 176 w 250"/>
-              <a:gd name="T69" fmla="*/ 211 h 234"/>
-              <a:gd name="T70" fmla="*/ 170 w 250"/>
-              <a:gd name="T71" fmla="*/ 221 h 234"/>
-              <a:gd name="T72" fmla="*/ 156 w 250"/>
-              <a:gd name="T73" fmla="*/ 230 h 234"/>
-              <a:gd name="T74" fmla="*/ 130 w 250"/>
-              <a:gd name="T75" fmla="*/ 226 h 234"/>
-              <a:gd name="T76" fmla="*/ 122 w 250"/>
-              <a:gd name="T77" fmla="*/ 213 h 234"/>
-              <a:gd name="T78" fmla="*/ 110 w 250"/>
-              <a:gd name="T79" fmla="*/ 169 h 234"/>
-              <a:gd name="T80" fmla="*/ 92 w 250"/>
-              <a:gd name="T81" fmla="*/ 192 h 234"/>
-              <a:gd name="T82" fmla="*/ 87 w 250"/>
-              <a:gd name="T83" fmla="*/ 197 h 234"/>
-              <a:gd name="T84" fmla="*/ 84 w 250"/>
-              <a:gd name="T85" fmla="*/ 201 h 234"/>
-              <a:gd name="T86" fmla="*/ 65 w 250"/>
-              <a:gd name="T87" fmla="*/ 212 h 234"/>
-              <a:gd name="T88" fmla="*/ 50 w 250"/>
-              <a:gd name="T89" fmla="*/ 204 h 234"/>
-              <a:gd name="T90" fmla="*/ 44 w 250"/>
-              <a:gd name="T91" fmla="*/ 198 h 234"/>
-              <a:gd name="T92" fmla="*/ 38 w 250"/>
-              <a:gd name="T93" fmla="*/ 185 h 234"/>
-              <a:gd name="T94" fmla="*/ 43 w 250"/>
-              <a:gd name="T95" fmla="*/ 167 h 234"/>
-            </a:gdLst>
-            <a:ahLst/>
-            <a:cxnLst>
-              <a:cxn ang="0">
-                <a:pos x="T0" y="T1"/>
-              </a:cxn>
-              <a:cxn ang="0">
-                <a:pos x="T2" y="T3"/>
-              </a:cxn>
-              <a:cxn ang="0">
-                <a:pos x="T4" y="T5"/>
-              </a:cxn>
-              <a:cxn ang="0">
-                <a:pos x="T6" y="T7"/>
-              </a:cxn>
-              <a:cxn ang="0">
-                <a:pos x="T8" y="T9"/>
-              </a:cxn>
-              <a:cxn ang="0">
-                <a:pos x="T10" y="T11"/>
-              </a:cxn>
-              <a:cxn ang="0">
-                <a:pos x="T12" y="T13"/>
-              </a:cxn>
-              <a:cxn ang="0">
-                <a:pos x="T14" y="T15"/>
-              </a:cxn>
-              <a:cxn ang="0">
-                <a:pos x="T16" y="T17"/>
-              </a:cxn>
-              <a:cxn ang="0">
-                <a:pos x="T18" y="T19"/>
-              </a:cxn>
-              <a:cxn ang="0">
-                <a:pos x="T20" y="T21"/>
-              </a:cxn>
-              <a:cxn ang="0">
-                <a:pos x="T22" y="T23"/>
-              </a:cxn>
-              <a:cxn ang="0">
-                <a:pos x="T24" y="T25"/>
-              </a:cxn>
-              <a:cxn ang="0">
-                <a:pos x="T26" y="T27"/>
-              </a:cxn>
-              <a:cxn ang="0">
-                <a:pos x="T28" y="T29"/>
-              </a:cxn>
-              <a:cxn ang="0">
-                <a:pos x="T30" y="T31"/>
-              </a:cxn>
-              <a:cxn ang="0">
-                <a:pos x="T32" y="T33"/>
-              </a:cxn>
-              <a:cxn ang="0">
-                <a:pos x="T34" y="T35"/>
-              </a:cxn>
-              <a:cxn ang="0">
-                <a:pos x="T36" y="T37"/>
-              </a:cxn>
-              <a:cxn ang="0">
-                <a:pos x="T38" y="T39"/>
-              </a:cxn>
-              <a:cxn ang="0">
-                <a:pos x="T40" y="T41"/>
-              </a:cxn>
-              <a:cxn ang="0">
-                <a:pos x="T42" y="T43"/>
-              </a:cxn>
-              <a:cxn ang="0">
-                <a:pos x="T44" y="T45"/>
-              </a:cxn>
-              <a:cxn ang="0">
-                <a:pos x="T46" y="T47"/>
-              </a:cxn>
-              <a:cxn ang="0">
-                <a:pos x="T48" y="T49"/>
-              </a:cxn>
-              <a:cxn ang="0">
-                <a:pos x="T50" y="T51"/>
-              </a:cxn>
-              <a:cxn ang="0">
-                <a:pos x="T52" y="T53"/>
-              </a:cxn>
-              <a:cxn ang="0">
-                <a:pos x="T54" y="T55"/>
-              </a:cxn>
-              <a:cxn ang="0">
-                <a:pos x="T56" y="T57"/>
-              </a:cxn>
-              <a:cxn ang="0">
-                <a:pos x="T58" y="T59"/>
-              </a:cxn>
-              <a:cxn ang="0">
-                <a:pos x="T60" y="T61"/>
-              </a:cxn>
-              <a:cxn ang="0">
-                <a:pos x="T62" y="T63"/>
-              </a:cxn>
-              <a:cxn ang="0">
-                <a:pos x="T64" y="T65"/>
-              </a:cxn>
-              <a:cxn ang="0">
-                <a:pos x="T66" y="T67"/>
-              </a:cxn>
-              <a:cxn ang="0">
-                <a:pos x="T68" y="T69"/>
-              </a:cxn>
-              <a:cxn ang="0">
-                <a:pos x="T70" y="T71"/>
-              </a:cxn>
-              <a:cxn ang="0">
-                <a:pos x="T72" y="T73"/>
-              </a:cxn>
-              <a:cxn ang="0">
-                <a:pos x="T74" y="T75"/>
-              </a:cxn>
-              <a:cxn ang="0">
-                <a:pos x="T76" y="T77"/>
-              </a:cxn>
-              <a:cxn ang="0">
-                <a:pos x="T78" y="T79"/>
-              </a:cxn>
-              <a:cxn ang="0">
-                <a:pos x="T80" y="T81"/>
-              </a:cxn>
-              <a:cxn ang="0">
-                <a:pos x="T82" y="T83"/>
-              </a:cxn>
-              <a:cxn ang="0">
-                <a:pos x="T84" y="T85"/>
-              </a:cxn>
-              <a:cxn ang="0">
-                <a:pos x="T86" y="T87"/>
-              </a:cxn>
-              <a:cxn ang="0">
-                <a:pos x="T88" y="T89"/>
-              </a:cxn>
-              <a:cxn ang="0">
-                <a:pos x="T90" y="T91"/>
-              </a:cxn>
-              <a:cxn ang="0">
-                <a:pos x="T92" y="T93"/>
-              </a:cxn>
-              <a:cxn ang="0">
-                <a:pos x="T94" y="T95"/>
-              </a:cxn>
-            </a:cxnLst>
-            <a:rect l="0" t="0" r="r" b="b"/>
-            <a:pathLst>
-              <a:path w="250" h="234">
-                <a:moveTo>
-                  <a:pt x="43" y="167"/>
-                </a:moveTo>
-                <a:cubicBezTo>
-                  <a:pt x="70" y="133"/>
-                  <a:pt x="70" y="133"/>
-                  <a:pt x="70" y="133"/>
-                </a:cubicBezTo>
-                <a:cubicBezTo>
-                  <a:pt x="60" y="134"/>
-                  <a:pt x="61" y="134"/>
-                  <a:pt x="48" y="134"/>
-                </a:cubicBezTo>
-                <a:cubicBezTo>
-                  <a:pt x="34" y="133"/>
-                  <a:pt x="24" y="132"/>
-                  <a:pt x="19" y="130"/>
-                </a:cubicBezTo>
-                <a:cubicBezTo>
-                  <a:pt x="13" y="128"/>
-                  <a:pt x="9" y="126"/>
-                  <a:pt x="6" y="123"/>
-                </a:cubicBezTo>
-                <a:cubicBezTo>
-                  <a:pt x="1" y="119"/>
-                  <a:pt x="0" y="112"/>
-                  <a:pt x="1" y="103"/>
-                </a:cubicBezTo>
-                <a:cubicBezTo>
-                  <a:pt x="2" y="93"/>
-                  <a:pt x="6" y="86"/>
-                  <a:pt x="11" y="81"/>
-                </a:cubicBezTo>
-                <a:cubicBezTo>
-                  <a:pt x="15" y="77"/>
-                  <a:pt x="18" y="76"/>
-                  <a:pt x="23" y="76"/>
-                </a:cubicBezTo>
-                <a:cubicBezTo>
-                  <a:pt x="81" y="78"/>
-                  <a:pt x="81" y="78"/>
-                  <a:pt x="81" y="78"/>
-                </a:cubicBezTo>
-                <a:cubicBezTo>
-                  <a:pt x="65" y="49"/>
-                  <a:pt x="65" y="49"/>
-                  <a:pt x="65" y="49"/>
-                </a:cubicBezTo>
-                <a:cubicBezTo>
-                  <a:pt x="58" y="40"/>
-                  <a:pt x="56" y="33"/>
-                  <a:pt x="57" y="27"/>
-                </a:cubicBezTo>
-                <a:cubicBezTo>
-                  <a:pt x="58" y="21"/>
-                  <a:pt x="62" y="16"/>
-                  <a:pt x="67" y="12"/>
-                </a:cubicBezTo>
-                <a:cubicBezTo>
-                  <a:pt x="74" y="6"/>
-                  <a:pt x="80" y="2"/>
-                  <a:pt x="85" y="1"/>
-                </a:cubicBezTo>
-                <a:cubicBezTo>
-                  <a:pt x="90" y="0"/>
-                  <a:pt x="95" y="2"/>
-                  <a:pt x="101" y="8"/>
-                </a:cubicBezTo>
-                <a:cubicBezTo>
-                  <a:pt x="104" y="11"/>
-                  <a:pt x="106" y="13"/>
-                  <a:pt x="107" y="15"/>
-                </a:cubicBezTo>
-                <a:cubicBezTo>
-                  <a:pt x="110" y="19"/>
-                  <a:pt x="112" y="20"/>
-                  <a:pt x="120" y="37"/>
-                </a:cubicBezTo>
-                <a:cubicBezTo>
-                  <a:pt x="129" y="55"/>
-                  <a:pt x="128" y="51"/>
-                  <a:pt x="131" y="60"/>
-                </a:cubicBezTo>
-                <a:cubicBezTo>
-                  <a:pt x="164" y="25"/>
-                  <a:pt x="164" y="25"/>
-                  <a:pt x="164" y="25"/>
-                </a:cubicBezTo>
-                <a:cubicBezTo>
-                  <a:pt x="173" y="16"/>
-                  <a:pt x="180" y="11"/>
-                  <a:pt x="187" y="11"/>
-                </a:cubicBezTo>
-                <a:cubicBezTo>
-                  <a:pt x="193" y="10"/>
-                  <a:pt x="200" y="13"/>
-                  <a:pt x="205" y="19"/>
-                </a:cubicBezTo>
-                <a:cubicBezTo>
-                  <a:pt x="210" y="24"/>
-                  <a:pt x="213" y="29"/>
-                  <a:pt x="214" y="34"/>
-                </a:cubicBezTo>
-                <a:cubicBezTo>
-                  <a:pt x="214" y="39"/>
-                  <a:pt x="211" y="47"/>
-                  <a:pt x="203" y="57"/>
-                </a:cubicBezTo>
-                <a:cubicBezTo>
-                  <a:pt x="166" y="100"/>
-                  <a:pt x="166" y="100"/>
-                  <a:pt x="166" y="100"/>
-                </a:cubicBezTo>
-                <a:cubicBezTo>
-                  <a:pt x="217" y="98"/>
-                  <a:pt x="217" y="98"/>
-                  <a:pt x="217" y="98"/>
-                </a:cubicBezTo>
-                <a:cubicBezTo>
-                  <a:pt x="229" y="96"/>
-                  <a:pt x="238" y="98"/>
-                  <a:pt x="244" y="104"/>
-                </a:cubicBezTo>
-                <a:cubicBezTo>
-                  <a:pt x="247" y="107"/>
-                  <a:pt x="249" y="111"/>
-                  <a:pt x="249" y="115"/>
-                </a:cubicBezTo>
-                <a:cubicBezTo>
-                  <a:pt x="250" y="120"/>
-                  <a:pt x="249" y="124"/>
-                  <a:pt x="247" y="129"/>
-                </a:cubicBezTo>
-                <a:cubicBezTo>
-                  <a:pt x="247" y="130"/>
-                  <a:pt x="246" y="132"/>
-                  <a:pt x="245" y="134"/>
-                </a:cubicBezTo>
-                <a:cubicBezTo>
-                  <a:pt x="244" y="137"/>
-                  <a:pt x="243" y="140"/>
-                  <a:pt x="241" y="141"/>
-                </a:cubicBezTo>
-                <a:cubicBezTo>
-                  <a:pt x="239" y="144"/>
-                  <a:pt x="234" y="146"/>
-                  <a:pt x="227" y="147"/>
-                </a:cubicBezTo>
-                <a:cubicBezTo>
-                  <a:pt x="221" y="149"/>
-                  <a:pt x="207" y="150"/>
-                  <a:pt x="187" y="151"/>
-                </a:cubicBezTo>
-                <a:cubicBezTo>
-                  <a:pt x="175" y="152"/>
-                  <a:pt x="161" y="148"/>
-                  <a:pt x="160" y="148"/>
-                </a:cubicBezTo>
-                <a:cubicBezTo>
-                  <a:pt x="161" y="151"/>
-                  <a:pt x="165" y="161"/>
-                  <a:pt x="168" y="168"/>
-                </a:cubicBezTo>
-                <a:cubicBezTo>
-                  <a:pt x="168" y="171"/>
-                  <a:pt x="173" y="181"/>
-                  <a:pt x="176" y="194"/>
-                </a:cubicBezTo>
-                <a:cubicBezTo>
-                  <a:pt x="179" y="206"/>
-                  <a:pt x="176" y="203"/>
-                  <a:pt x="176" y="211"/>
-                </a:cubicBezTo>
-                <a:cubicBezTo>
-                  <a:pt x="176" y="214"/>
-                  <a:pt x="174" y="217"/>
-                  <a:pt x="170" y="221"/>
-                </a:cubicBezTo>
-                <a:cubicBezTo>
-                  <a:pt x="166" y="226"/>
-                  <a:pt x="161" y="228"/>
-                  <a:pt x="156" y="230"/>
-                </a:cubicBezTo>
-                <a:cubicBezTo>
-                  <a:pt x="147" y="234"/>
-                  <a:pt x="137" y="233"/>
-                  <a:pt x="130" y="226"/>
-                </a:cubicBezTo>
-                <a:cubicBezTo>
-                  <a:pt x="127" y="223"/>
-                  <a:pt x="125" y="219"/>
-                  <a:pt x="122" y="213"/>
-                </a:cubicBezTo>
-                <a:cubicBezTo>
-                  <a:pt x="118" y="188"/>
-                  <a:pt x="117" y="189"/>
-                  <a:pt x="110" y="169"/>
-                </a:cubicBezTo>
-                <a:cubicBezTo>
-                  <a:pt x="92" y="192"/>
-                  <a:pt x="92" y="192"/>
-                  <a:pt x="92" y="192"/>
-                </a:cubicBezTo>
-                <a:cubicBezTo>
-                  <a:pt x="90" y="193"/>
-                  <a:pt x="88" y="195"/>
-                  <a:pt x="87" y="197"/>
-                </a:cubicBezTo>
-                <a:cubicBezTo>
-                  <a:pt x="86" y="198"/>
-                  <a:pt x="85" y="200"/>
-                  <a:pt x="84" y="201"/>
-                </a:cubicBezTo>
-                <a:cubicBezTo>
-                  <a:pt x="76" y="209"/>
-                  <a:pt x="70" y="212"/>
-                  <a:pt x="65" y="212"/>
-                </a:cubicBezTo>
-                <a:cubicBezTo>
-                  <a:pt x="60" y="211"/>
-                  <a:pt x="55" y="209"/>
-                  <a:pt x="50" y="204"/>
-                </a:cubicBezTo>
-                <a:cubicBezTo>
-                  <a:pt x="50" y="203"/>
-                  <a:pt x="48" y="202"/>
-                  <a:pt x="44" y="198"/>
-                </a:cubicBezTo>
-                <a:cubicBezTo>
-                  <a:pt x="41" y="195"/>
-                  <a:pt x="39" y="191"/>
-                  <a:pt x="38" y="185"/>
-                </a:cubicBezTo>
-                <a:cubicBezTo>
-                  <a:pt x="37" y="179"/>
-                  <a:pt x="39" y="173"/>
-                  <a:pt x="43" y="167"/>
-                </a:cubicBezTo>
-                <a:close/>
-              </a:path>
-            </a:pathLst>
-          </a:custGeom>
-          <a:solidFill>
-            <a:schemeClr val="accent4"/>
-          </a:solidFill>
-          <a:ln>
-            <a:noFill/>
-          </a:ln>
-        </p:spPr>
-        <p:txBody>
-          <a:bodyPr vert="horz" wrap="square" lIns="91440" tIns="45720" rIns="91440" bIns="45720" numCol="1" anchor="t" anchorCtr="0" compatLnSpc="1">
-            <a:prstTxWarp prst="textNoShape">
-              <a:avLst/>
-            </a:prstTxWarp>
-          </a:bodyPr>
-          <a:lstStyle/>
-          <a:p>
-            <a:endParaRPr lang="en-US"/>
-          </a:p>
-        </p:txBody>
-      </p:sp>
-    </p:spTree>
-    <p:extLst>
-      <p:ext uri="{BB962C8B-B14F-4D97-AF65-F5344CB8AC3E}">
-        <p14:creationId xmlns:p14="http://schemas.microsoft.com/office/powerpoint/2010/main" val="3421707678"/>
-      </p:ext>
-    </p:extLst>
-  </p:cSld>
-  <p:clrMapOvr>
-    <a:masterClrMapping/>
-  </p:clrMapOvr>
-  <mc:AlternateContent xmlns:mc="http://schemas.openxmlformats.org/markup-compatibility/2006">
-    <mc:Choice xmlns:p14="http://schemas.microsoft.com/office/powerpoint/2010/main" Requires="p14">
-      <p:transition spd="med" p14:dur="700">
-        <p:fade/>
-      </p:transition>
-    </mc:Choice>
-    <mc:Fallback>
+    <mc:Fallback xmlns="">
       <p:transition spd="med">
         <p:fade/>
       </p:transition>

--- a/Prezentacia_Rust_projekt.pptx
+++ b/Prezentacia_Rust_projekt.pptx
@@ -258,7 +258,7 @@
           <a:p>
             <a:fld id="{2395C5C9-164C-46B3-A87E-7660D39D3106}" type="datetime2">
               <a:rPr lang="en-US" smtClean="0"/>
-              <a:t>Wednesday, April 24, 2024</a:t>
+              <a:t>Thursday, May 9, 2024</a:t>
             </a:fld>
             <a:endParaRPr lang="en-US" dirty="0"/>
           </a:p>
@@ -461,7 +461,7 @@
           <a:p>
             <a:fld id="{5B75179A-1E2B-41AB-B400-4F1B4022FAEE}" type="datetime2">
               <a:rPr lang="en-US" smtClean="0"/>
-              <a:t>Wednesday, April 24, 2024</a:t>
+              <a:t>Thursday, May 9, 2024</a:t>
             </a:fld>
             <a:endParaRPr lang="en-US"/>
           </a:p>
@@ -674,7 +674,7 @@
           <a:p>
             <a:fld id="{05681D0F-6595-4F14-8EF3-954CD87C797B}" type="datetime2">
               <a:rPr lang="en-US" smtClean="0"/>
-              <a:t>Wednesday, April 24, 2024</a:t>
+              <a:t>Thursday, May 9, 2024</a:t>
             </a:fld>
             <a:endParaRPr lang="en-US"/>
           </a:p>
@@ -876,7 +876,7 @@
           <a:p>
             <a:fld id="{4DDCFF8A-AAF8-4A12-8A91-9CA0EAF6CBB9}" type="datetime2">
               <a:rPr lang="en-US" smtClean="0"/>
-              <a:t>Wednesday, April 24, 2024</a:t>
+              <a:t>Thursday, May 9, 2024</a:t>
             </a:fld>
             <a:endParaRPr lang="en-US" dirty="0"/>
           </a:p>
@@ -1155,7 +1155,7 @@
           <a:p>
             <a:fld id="{ABCC25C3-021A-4B0B-8F70-0C181FE1CF45}" type="datetime2">
               <a:rPr lang="en-US" smtClean="0"/>
-              <a:t>Wednesday, April 24, 2024</a:t>
+              <a:t>Thursday, May 9, 2024</a:t>
             </a:fld>
             <a:endParaRPr lang="en-US"/>
           </a:p>
@@ -1415,7 +1415,7 @@
           <a:p>
             <a:fld id="{0C23D88D-8CEC-4ED9-A53B-5596187D9A16}" type="datetime2">
               <a:rPr lang="en-US" smtClean="0"/>
-              <a:t>Wednesday, April 24, 2024</a:t>
+              <a:t>Thursday, May 9, 2024</a:t>
             </a:fld>
             <a:endParaRPr lang="en-US"/>
           </a:p>
@@ -1831,7 +1831,7 @@
           <a:p>
             <a:fld id="{D2CCD382-DFDA-4722-A27A-59C21AD112F2}" type="datetime2">
               <a:rPr lang="en-US" smtClean="0"/>
-              <a:t>Wednesday, April 24, 2024</a:t>
+              <a:t>Thursday, May 9, 2024</a:t>
             </a:fld>
             <a:endParaRPr lang="en-US"/>
           </a:p>
@@ -1976,7 +1976,7 @@
           <a:p>
             <a:fld id="{22F2A30D-1C09-413F-AAB1-38F366000715}" type="datetime2">
               <a:rPr lang="en-US" smtClean="0"/>
-              <a:t>Wednesday, April 24, 2024</a:t>
+              <a:t>Thursday, May 9, 2024</a:t>
             </a:fld>
             <a:endParaRPr lang="en-US"/>
           </a:p>
@@ -2098,7 +2098,7 @@
           <a:p>
             <a:fld id="{6DB82B9C-D65E-4F64-95C3-B10F3B00F0D9}" type="datetime2">
               <a:rPr lang="en-US" smtClean="0"/>
-              <a:t>Wednesday, April 24, 2024</a:t>
+              <a:t>Thursday, May 9, 2024</a:t>
             </a:fld>
             <a:endParaRPr lang="en-US"/>
           </a:p>
@@ -2421,7 +2421,7 @@
           <a:p>
             <a:fld id="{B7F5FDCC-6AAC-4A08-B9E0-3793AB5E64C3}" type="datetime2">
               <a:rPr lang="en-US" smtClean="0"/>
-              <a:t>Wednesday, April 24, 2024</a:t>
+              <a:t>Thursday, May 9, 2024</a:t>
             </a:fld>
             <a:endParaRPr lang="en-US"/>
           </a:p>
@@ -2709,7 +2709,7 @@
           <a:p>
             <a:fld id="{349FE94D-439C-40F1-900E-BC07940E3988}" type="datetime2">
               <a:rPr lang="en-US" smtClean="0"/>
-              <a:t>Wednesday, April 24, 2024</a:t>
+              <a:t>Thursday, May 9, 2024</a:t>
             </a:fld>
             <a:endParaRPr lang="en-US"/>
           </a:p>
@@ -2997,7 +2997,7 @@
           <a:p>
             <a:fld id="{8DEA2CF1-0EB2-4673-802D-3371233E4A77}" type="datetime2">
               <a:rPr lang="en-US" smtClean="0"/>
-              <a:t>Wednesday, April 24, 2024</a:t>
+              <a:t>Thursday, May 9, 2024</a:t>
             </a:fld>
             <a:endParaRPr lang="en-US" dirty="0"/>
           </a:p>
@@ -4741,7 +4741,30 @@
               </a:rPr>
               <a:t>Projektu</a:t>
             </a:r>
-            <a:endParaRPr lang="en-US" sz="3200" dirty="0">
+            <a:br>
+              <a:rPr lang="sk-SK" sz="3200" dirty="0">
+                <a:latin typeface="Agency FB" panose="020B0503020202020204" pitchFamily="34" charset="0"/>
+              </a:rPr>
+            </a:br>
+            <a:r>
+              <a:rPr lang="sk-SK" sz="3200" i="1" dirty="0" err="1">
+                <a:latin typeface="Agency FB" panose="020B0503020202020204" pitchFamily="34" charset="0"/>
+              </a:rPr>
+              <a:t>Our</a:t>
+            </a:r>
+            <a:r>
+              <a:rPr lang="sk-SK" sz="3200" i="1" dirty="0">
+                <a:latin typeface="Agency FB" panose="020B0503020202020204" pitchFamily="34" charset="0"/>
+              </a:rPr>
+              <a:t> </a:t>
+            </a:r>
+            <a:r>
+              <a:rPr lang="sk-SK" sz="3200" i="1" dirty="0" err="1">
+                <a:latin typeface="Agency FB" panose="020B0503020202020204" pitchFamily="34" charset="0"/>
+              </a:rPr>
+              <a:t>Goal</a:t>
+            </a:r>
+            <a:endParaRPr lang="en-US" sz="3200" i="1" dirty="0">
               <a:latin typeface="Agency FB" panose="020B0503020202020204" pitchFamily="34" charset="0"/>
             </a:endParaRPr>
           </a:p>
@@ -4832,7 +4855,7 @@
         </p:spPr>
         <p:txBody>
           <a:bodyPr vert="horz" lIns="0" tIns="0" rIns="0" bIns="0" rtlCol="0">
-            <a:normAutofit/>
+            <a:normAutofit lnSpcReduction="10000"/>
           </a:bodyPr>
           <a:lstStyle/>
           <a:p>
@@ -4889,7 +4912,7 @@
               </a:rPr>
               <a:t>prístup</a:t>
             </a:r>
-            <a:endParaRPr lang="en-US" sz="2000" spc="20" dirty="0">
+            <a:endParaRPr lang="sk-SK" sz="2000" spc="20" dirty="0">
               <a:solidFill>
                 <a:schemeClr val="tx1">
                   <a:alpha val="58000"/>
@@ -4912,17 +4935,37 @@
               <a:buChar char="•"/>
             </a:pPr>
             <a:r>
-              <a:rPr lang="en-US" sz="2000" spc="20" dirty="0" err="1">
+              <a:rPr lang="sk-SK" sz="2000" i="1" spc="20" dirty="0" err="1">
                 <a:solidFill>
                   <a:schemeClr val="tx1">
                     <a:alpha val="58000"/>
                   </a:schemeClr>
                 </a:solidFill>
               </a:rPr>
-              <a:t>Stavanie</a:t>
-            </a:r>
-            <a:r>
-              <a:rPr lang="en-US" sz="2000" spc="20" dirty="0">
+              <a:t>Easy</a:t>
+            </a:r>
+            <a:r>
+              <a:rPr lang="sk-SK" sz="2000" i="1" spc="20" dirty="0">
+                <a:solidFill>
+                  <a:schemeClr val="tx1">
+                    <a:alpha val="58000"/>
+                  </a:schemeClr>
+                </a:solidFill>
+              </a:rPr>
+              <a:t> and </a:t>
+            </a:r>
+            <a:r>
+              <a:rPr lang="sk-SK" sz="2000" i="1" spc="20" dirty="0" err="1">
+                <a:solidFill>
+                  <a:schemeClr val="tx1">
+                    <a:alpha val="58000"/>
+                  </a:schemeClr>
+                </a:solidFill>
+              </a:rPr>
+              <a:t>free</a:t>
+            </a:r>
+            <a:r>
+              <a:rPr lang="sk-SK" sz="2000" i="1" spc="20" dirty="0">
                 <a:solidFill>
                   <a:schemeClr val="tx1">
                     <a:alpha val="58000"/>
@@ -4932,16 +4975,16 @@
               <a:t> </a:t>
             </a:r>
             <a:r>
-              <a:rPr lang="en-US" sz="2000" spc="20" dirty="0" err="1">
+              <a:rPr lang="sk-SK" sz="2000" i="1" spc="20" dirty="0" err="1">
                 <a:solidFill>
                   <a:schemeClr val="tx1">
                     <a:alpha val="58000"/>
                   </a:schemeClr>
                 </a:solidFill>
               </a:rPr>
-              <a:t>komunity</a:t>
-            </a:r>
-            <a:endParaRPr lang="en-US" sz="2000" spc="20" dirty="0">
+              <a:t>access</a:t>
+            </a:r>
+            <a:endParaRPr lang="sk-SK" sz="2000" i="1" spc="20" dirty="0">
               <a:solidFill>
                 <a:schemeClr val="tx1">
                   <a:alpha val="58000"/>
@@ -4963,6 +5006,154 @@
               <a:buFont typeface="The Hand Extrablack" panose="03070A02030502020204" pitchFamily="66" charset="0"/>
               <a:buChar char="•"/>
             </a:pPr>
+            <a:endParaRPr lang="en-US" sz="2000" i="1" spc="20" dirty="0">
+              <a:solidFill>
+                <a:schemeClr val="tx1">
+                  <a:alpha val="58000"/>
+                </a:schemeClr>
+              </a:solidFill>
+            </a:endParaRPr>
+          </a:p>
+          <a:p>
+            <a:pPr indent="-228600">
+              <a:lnSpc>
+                <a:spcPct val="120000"/>
+              </a:lnSpc>
+              <a:spcAft>
+                <a:spcPts val="600"/>
+              </a:spcAft>
+              <a:buClr>
+                <a:schemeClr val="accent4"/>
+              </a:buClr>
+              <a:buFont typeface="The Hand Extrablack" panose="03070A02030502020204" pitchFamily="66" charset="0"/>
+              <a:buChar char="•"/>
+            </a:pPr>
+            <a:r>
+              <a:rPr lang="en-US" sz="2000" spc="20" dirty="0" err="1">
+                <a:solidFill>
+                  <a:schemeClr val="tx1">
+                    <a:alpha val="58000"/>
+                  </a:schemeClr>
+                </a:solidFill>
+              </a:rPr>
+              <a:t>Stavanie</a:t>
+            </a:r>
+            <a:r>
+              <a:rPr lang="en-US" sz="2000" spc="20" dirty="0">
+                <a:solidFill>
+                  <a:schemeClr val="tx1">
+                    <a:alpha val="58000"/>
+                  </a:schemeClr>
+                </a:solidFill>
+              </a:rPr>
+              <a:t> </a:t>
+            </a:r>
+            <a:r>
+              <a:rPr lang="en-US" sz="2000" spc="20" dirty="0" err="1">
+                <a:solidFill>
+                  <a:schemeClr val="tx1">
+                    <a:alpha val="58000"/>
+                  </a:schemeClr>
+                </a:solidFill>
+              </a:rPr>
+              <a:t>komunity</a:t>
+            </a:r>
+            <a:endParaRPr lang="sk-SK" sz="2000" spc="20" dirty="0">
+              <a:solidFill>
+                <a:schemeClr val="tx1">
+                  <a:alpha val="58000"/>
+                </a:schemeClr>
+              </a:solidFill>
+            </a:endParaRPr>
+          </a:p>
+          <a:p>
+            <a:pPr indent="-228600">
+              <a:lnSpc>
+                <a:spcPct val="120000"/>
+              </a:lnSpc>
+              <a:spcAft>
+                <a:spcPts val="600"/>
+              </a:spcAft>
+              <a:buClr>
+                <a:schemeClr val="accent4"/>
+              </a:buClr>
+              <a:buFont typeface="The Hand Extrablack" panose="03070A02030502020204" pitchFamily="66" charset="0"/>
+              <a:buChar char="•"/>
+            </a:pPr>
+            <a:r>
+              <a:rPr lang="sk-SK" sz="2000" i="1" spc="20" dirty="0" err="1">
+                <a:solidFill>
+                  <a:schemeClr val="tx1">
+                    <a:alpha val="58000"/>
+                  </a:schemeClr>
+                </a:solidFill>
+              </a:rPr>
+              <a:t>Building</a:t>
+            </a:r>
+            <a:r>
+              <a:rPr lang="sk-SK" sz="2000" i="1" spc="20" dirty="0">
+                <a:solidFill>
+                  <a:schemeClr val="tx1">
+                    <a:alpha val="58000"/>
+                  </a:schemeClr>
+                </a:solidFill>
+              </a:rPr>
+              <a:t> a </a:t>
+            </a:r>
+            <a:r>
+              <a:rPr lang="sk-SK" sz="2000" i="1" spc="20" dirty="0" err="1">
+                <a:solidFill>
+                  <a:schemeClr val="tx1">
+                    <a:alpha val="58000"/>
+                  </a:schemeClr>
+                </a:solidFill>
+              </a:rPr>
+              <a:t>community</a:t>
+            </a:r>
+            <a:endParaRPr lang="sk-SK" sz="2000" i="1" spc="20" dirty="0">
+              <a:solidFill>
+                <a:schemeClr val="tx1">
+                  <a:alpha val="58000"/>
+                </a:schemeClr>
+              </a:solidFill>
+            </a:endParaRPr>
+          </a:p>
+          <a:p>
+            <a:pPr indent="-228600">
+              <a:lnSpc>
+                <a:spcPct val="120000"/>
+              </a:lnSpc>
+              <a:spcAft>
+                <a:spcPts val="600"/>
+              </a:spcAft>
+              <a:buClr>
+                <a:schemeClr val="accent4"/>
+              </a:buClr>
+              <a:buFont typeface="The Hand Extrablack" panose="03070A02030502020204" pitchFamily="66" charset="0"/>
+              <a:buChar char="•"/>
+            </a:pPr>
+            <a:endParaRPr lang="en-US" sz="2000" i="1" spc="20" dirty="0">
+              <a:solidFill>
+                <a:schemeClr val="tx1">
+                  <a:alpha val="58000"/>
+                </a:schemeClr>
+              </a:solidFill>
+            </a:endParaRPr>
+          </a:p>
+          <a:p>
+            <a:pPr indent="-228600">
+              <a:lnSpc>
+                <a:spcPct val="120000"/>
+              </a:lnSpc>
+              <a:spcAft>
+                <a:spcPts val="600"/>
+              </a:spcAft>
+              <a:buClr>
+                <a:schemeClr val="accent4"/>
+              </a:buClr>
+              <a:buFont typeface="The Hand Extrablack" panose="03070A02030502020204" pitchFamily="66" charset="0"/>
+              <a:buChar char="•"/>
+            </a:pPr>
             <a:r>
               <a:rPr lang="sk-SK" sz="2000" spc="20" dirty="0">
                 <a:solidFill>
@@ -4993,7 +5184,52 @@
               </a:rPr>
               <a:t>í</a:t>
             </a:r>
-            <a:endParaRPr lang="en-US" sz="2000" spc="20" dirty="0">
+          </a:p>
+          <a:p>
+            <a:pPr indent="-228600">
+              <a:lnSpc>
+                <a:spcPct val="120000"/>
+              </a:lnSpc>
+              <a:spcAft>
+                <a:spcPts val="600"/>
+              </a:spcAft>
+              <a:buClr>
+                <a:schemeClr val="accent4"/>
+              </a:buClr>
+              <a:buFont typeface="The Hand Extrablack" panose="03070A02030502020204" pitchFamily="66" charset="0"/>
+              <a:buChar char="•"/>
+            </a:pPr>
+            <a:r>
+              <a:rPr lang="sk-SK" sz="2000" i="1" spc="20" dirty="0" err="1">
+                <a:solidFill>
+                  <a:schemeClr val="tx1">
+                    <a:alpha val="58000"/>
+                  </a:schemeClr>
+                </a:solidFill>
+              </a:rPr>
+              <a:t>Spreading</a:t>
+            </a:r>
+            <a:r>
+              <a:rPr lang="sk-SK" sz="2000" i="1" spc="20" dirty="0">
+                <a:solidFill>
+                  <a:schemeClr val="tx1">
+                    <a:alpha val="58000"/>
+                  </a:schemeClr>
+                </a:solidFill>
+              </a:rPr>
+              <a:t> </a:t>
+            </a:r>
+            <a:r>
+              <a:rPr lang="sk-SK" sz="2000" i="1" spc="20" dirty="0" err="1">
+                <a:solidFill>
+                  <a:schemeClr val="tx1">
+                    <a:alpha val="58000"/>
+                  </a:schemeClr>
+                </a:solidFill>
+              </a:rPr>
+              <a:t>information</a:t>
+            </a:r>
+            <a:endParaRPr lang="en-US" sz="2000" i="1" spc="20" dirty="0">
               <a:solidFill>
                 <a:schemeClr val="tx1">
                   <a:alpha val="58000"/>
@@ -5334,11 +5570,25 @@
           <a:lstStyle/>
           <a:p>
             <a:r>
-              <a:rPr lang="sk-SK" sz="3200">
+              <a:rPr lang="sk-SK" sz="3200" dirty="0">
                 <a:latin typeface="Agency FB" panose="020B0503020202020204" pitchFamily="34" charset="0"/>
               </a:rPr>
-              <a:t>Ako sme sa stým popasovali?</a:t>
-            </a:r>
+              <a:t>Ako sme sa s tým popasovali?</a:t>
+            </a:r>
+            <a:br>
+              <a:rPr lang="sk-SK" sz="3200" dirty="0">
+                <a:latin typeface="Agency FB" panose="020B0503020202020204" pitchFamily="34" charset="0"/>
+              </a:rPr>
+            </a:br>
+            <a:r>
+              <a:rPr lang="en-US" sz="3200" i="1" dirty="0">
+                <a:latin typeface="Agency FB" panose="020B0503020202020204" pitchFamily="34" charset="0"/>
+              </a:rPr>
+              <a:t>How did we deal with it?</a:t>
+            </a:r>
+            <a:endParaRPr lang="sk-SK" sz="3200" i="1" dirty="0">
+              <a:latin typeface="Agency FB" panose="020B0503020202020204" pitchFamily="34" charset="0"/>
+            </a:endParaRPr>
           </a:p>
         </p:txBody>
       </p:sp>
@@ -5360,8 +5610,8 @@
         </p:nvSpPr>
         <p:spPr>
           <a:xfrm>
-            <a:off x="720000" y="2541600"/>
-            <a:ext cx="4991962" cy="3216273"/>
+            <a:off x="353961" y="2015613"/>
+            <a:ext cx="5742039" cy="4223187"/>
           </a:xfrm>
         </p:spPr>
         <p:txBody>
@@ -5377,15 +5627,65 @@
           </a:p>
           <a:p>
             <a:r>
+              <a:rPr lang="sk-SK" i="1" dirty="0" err="1"/>
+              <a:t>Security</a:t>
+            </a:r>
+            <a:r>
+              <a:rPr lang="sk-SK" i="1" dirty="0"/>
+              <a:t> of </a:t>
+            </a:r>
+            <a:r>
+              <a:rPr lang="sk-SK" i="1" dirty="0" err="1"/>
+              <a:t>sensitive</a:t>
+            </a:r>
+            <a:r>
+              <a:rPr lang="sk-SK" i="1" dirty="0"/>
+              <a:t> </a:t>
+            </a:r>
+            <a:r>
+              <a:rPr lang="sk-SK" i="1" dirty="0" err="1"/>
+              <a:t>information</a:t>
+            </a:r>
+            <a:endParaRPr lang="sk-SK" i="1" dirty="0"/>
+          </a:p>
+          <a:p>
+            <a:endParaRPr lang="sk-SK" dirty="0"/>
+          </a:p>
+          <a:p>
+            <a:r>
               <a:rPr lang="sk-SK" dirty="0"/>
               <a:t>Komplexné výpočty kvality fitness centra</a:t>
             </a:r>
           </a:p>
           <a:p>
             <a:r>
+              <a:rPr lang="en-US" i="1" dirty="0"/>
+              <a:t>Complex calculations of the quality of the fitness center</a:t>
+            </a:r>
+            <a:endParaRPr lang="sk-SK" i="1" dirty="0"/>
+          </a:p>
+          <a:p>
+            <a:endParaRPr lang="sk-SK" dirty="0"/>
+          </a:p>
+          <a:p>
+            <a:r>
               <a:rPr lang="sk-SK" dirty="0"/>
               <a:t>Používateľská voľnosť</a:t>
             </a:r>
+          </a:p>
+          <a:p>
+            <a:r>
+              <a:rPr lang="sk-SK" i="1" dirty="0"/>
+              <a:t>User </a:t>
+            </a:r>
+            <a:r>
+              <a:rPr lang="sk-SK" i="1" dirty="0" err="1"/>
+              <a:t>freedom</a:t>
+            </a:r>
+            <a:endParaRPr lang="sk-SK" i="1" dirty="0"/>
+          </a:p>
+          <a:p>
+            <a:endParaRPr lang="sk-SK" dirty="0"/>
           </a:p>
         </p:txBody>
       </p:sp>
@@ -5733,11 +6033,25 @@
           <a:lstStyle/>
           <a:p>
             <a:r>
-              <a:rPr lang="sk-SK" sz="3200">
+              <a:rPr lang="sk-SK" sz="3200" dirty="0">
                 <a:latin typeface="Agency FB" panose="020B0503020202020204" pitchFamily="34" charset="0"/>
               </a:rPr>
               <a:t>Čo nám dalo najviac zabrať</a:t>
             </a:r>
+            <a:br>
+              <a:rPr lang="sk-SK" sz="3200" dirty="0">
+                <a:latin typeface="Agency FB" panose="020B0503020202020204" pitchFamily="34" charset="0"/>
+              </a:rPr>
+            </a:br>
+            <a:r>
+              <a:rPr lang="en-US" sz="3200" i="1" dirty="0">
+                <a:latin typeface="Agency FB" panose="020B0503020202020204" pitchFamily="34" charset="0"/>
+              </a:rPr>
+              <a:t>What gave us the most trouble</a:t>
+            </a:r>
+            <a:endParaRPr lang="sk-SK" sz="3200" i="1" dirty="0">
+              <a:latin typeface="Agency FB" panose="020B0503020202020204" pitchFamily="34" charset="0"/>
+            </a:endParaRPr>
           </a:p>
         </p:txBody>
       </p:sp>
@@ -5765,7 +6079,7 @@
         </p:spPr>
         <p:txBody>
           <a:bodyPr>
-            <a:normAutofit/>
+            <a:normAutofit lnSpcReduction="10000"/>
           </a:bodyPr>
           <a:lstStyle/>
           <a:p>
@@ -5776,15 +6090,42 @@
           </a:p>
           <a:p>
             <a:r>
+              <a:rPr lang="sk-SK" i="1" dirty="0"/>
+              <a:t>To </a:t>
+            </a:r>
+            <a:r>
+              <a:rPr lang="sk-SK" i="1" dirty="0" err="1"/>
+              <a:t>begin</a:t>
+            </a:r>
+            <a:endParaRPr lang="sk-SK" i="1" dirty="0"/>
+          </a:p>
+          <a:p>
+            <a:endParaRPr lang="sk-SK" dirty="0"/>
+          </a:p>
+          <a:p>
+            <a:r>
               <a:rPr lang="sk-SK" dirty="0"/>
               <a:t>Komentáre</a:t>
             </a:r>
           </a:p>
           <a:p>
             <a:r>
+              <a:rPr lang="sk-SK" i="1" dirty="0" err="1"/>
+              <a:t>Comments</a:t>
+            </a:r>
+            <a:endParaRPr lang="sk-SK" i="1" dirty="0"/>
+          </a:p>
+          <a:p>
+            <a:endParaRPr lang="sk-SK" dirty="0"/>
+          </a:p>
+          <a:p>
+            <a:r>
               <a:rPr lang="sk-SK" dirty="0"/>
               <a:t>Interface</a:t>
             </a:r>
+          </a:p>
+          <a:p>
+            <a:endParaRPr lang="sk-SK" dirty="0"/>
           </a:p>
           <a:p>
             <a:pPr marL="0" indent="0">
